--- a/Robust Malicious Domain Detection.pptx
+++ b/Robust Malicious Domain Detection.pptx
@@ -5,10 +5,10 @@
     <p:sldMasterId id="2147483648" r:id="rId4"/>
   </p:sldMasterIdLst>
   <p:notesMasterIdLst>
-    <p:notesMasterId r:id="rId15"/>
+    <p:notesMasterId r:id="rId22"/>
   </p:notesMasterIdLst>
   <p:handoutMasterIdLst>
-    <p:handoutMasterId r:id="rId16"/>
+    <p:handoutMasterId r:id="rId23"/>
   </p:handoutMasterIdLst>
   <p:sldIdLst>
     <p:sldId id="2448" r:id="rId5"/>
@@ -20,7 +20,14 @@
     <p:sldId id="2454" r:id="rId11"/>
     <p:sldId id="2452" r:id="rId12"/>
     <p:sldId id="2453" r:id="rId13"/>
-    <p:sldId id="2436" r:id="rId14"/>
+    <p:sldId id="2457" r:id="rId14"/>
+    <p:sldId id="2458" r:id="rId15"/>
+    <p:sldId id="2459" r:id="rId16"/>
+    <p:sldId id="2460" r:id="rId17"/>
+    <p:sldId id="2461" r:id="rId18"/>
+    <p:sldId id="2462" r:id="rId19"/>
+    <p:sldId id="2463" r:id="rId20"/>
+    <p:sldId id="2436" r:id="rId21"/>
   </p:sldIdLst>
   <p:sldSz cx="12192000" cy="6858000"/>
   <p:notesSz cx="6858000" cy="9144000"/>
@@ -240,7 +247,7 @@
           <a:p>
             <a:fld id="{966D5B4E-BF3E-3B45-A4BA-D6C3B92870D7}" type="datetimeFigureOut">
               <a:rPr lang="en-US" smtClean="0"/>
-              <a:t>2/15/2022</a:t>
+              <a:t>2/16/2022</a:t>
             </a:fld>
             <a:endParaRPr lang="en-US" dirty="0"/>
           </a:p>
@@ -417,7 +424,7 @@
           <a:p>
             <a:fld id="{F5A8621B-8C8E-49BA-8772-41D0FE75A082}" type="datetimeFigureOut">
               <a:rPr lang="en-US" smtClean="0"/>
-              <a:t>2/15/2022</a:t>
+              <a:t>2/16/2022</a:t>
             </a:fld>
             <a:endParaRPr lang="en-US" dirty="0"/>
           </a:p>
@@ -5649,6 +5656,2622 @@
 <file path=ppt/slides/slide10.xml><?xml version="1.0" encoding="utf-8"?>
 <p:sld xmlns:a="http://schemas.openxmlformats.org/drawingml/2006/main" xmlns:r="http://schemas.openxmlformats.org/officeDocument/2006/relationships" xmlns:p="http://schemas.openxmlformats.org/presentationml/2006/main">
   <p:cSld>
+    <p:spTree>
+      <p:nvGrpSpPr>
+        <p:cNvPr id="1" name=""/>
+        <p:cNvGrpSpPr/>
+        <p:nvPr/>
+      </p:nvGrpSpPr>
+      <p:grpSpPr>
+        <a:xfrm>
+          <a:off x="0" y="0"/>
+          <a:ext cx="0" cy="0"/>
+          <a:chOff x="0" y="0"/>
+          <a:chExt cx="0" cy="0"/>
+        </a:xfrm>
+      </p:grpSpPr>
+      <p:pic>
+        <p:nvPicPr>
+          <p:cNvPr id="8" name="Picture Placeholder 7" descr="abstract image">
+            <a:extLst>
+              <a:ext uri="{FF2B5EF4-FFF2-40B4-BE49-F238E27FC236}">
+                <a16:creationId xmlns:a16="http://schemas.microsoft.com/office/drawing/2014/main" id="{9AB29DBC-55D3-49D9-BB44-4936739C4B57}"/>
+              </a:ext>
+            </a:extLst>
+          </p:cNvPr>
+          <p:cNvPicPr>
+            <a:picLocks noGrp="1" noChangeAspect="1"/>
+          </p:cNvPicPr>
+          <p:nvPr>
+            <p:ph type="pic" sz="quarter" idx="10"/>
+          </p:nvPr>
+        </p:nvPicPr>
+        <p:blipFill rotWithShape="1">
+          <a:blip r:embed="rId2">
+            <a:alphaModFix amt="52000"/>
+            <a:extLst>
+              <a:ext uri="{BEBA8EAE-BF5A-486C-A8C5-ECC9F3942E4B}">
+                <a14:imgProps xmlns:a14="http://schemas.microsoft.com/office/drawing/2010/main">
+                  <a14:imgLayer r:embed="rId3">
+                    <a14:imgEffect>
+                      <a14:saturation sat="0"/>
+                    </a14:imgEffect>
+                  </a14:imgLayer>
+                </a14:imgProps>
+              </a:ext>
+            </a:extLst>
+          </a:blip>
+          <a:srcRect/>
+          <a:stretch/>
+        </p:blipFill>
+        <p:spPr/>
+      </p:pic>
+      <p:sp>
+        <p:nvSpPr>
+          <p:cNvPr id="16" name="Text Placeholder 3">
+            <a:extLst>
+              <a:ext uri="{FF2B5EF4-FFF2-40B4-BE49-F238E27FC236}">
+                <a16:creationId xmlns:a16="http://schemas.microsoft.com/office/drawing/2014/main" id="{99C95DF4-357B-4573-A5FD-B99A9F84F2ED}"/>
+              </a:ext>
+            </a:extLst>
+          </p:cNvPr>
+          <p:cNvSpPr txBox="1">
+            <a:spLocks/>
+          </p:cNvSpPr>
+          <p:nvPr/>
+        </p:nvSpPr>
+        <p:spPr>
+          <a:xfrm>
+            <a:off x="958789" y="3688734"/>
+            <a:ext cx="5628442" cy="510652"/>
+          </a:xfrm>
+          <a:prstGeom prst="rect">
+            <a:avLst/>
+          </a:prstGeom>
+        </p:spPr>
+        <p:txBody>
+          <a:bodyPr vert="horz" lIns="91440" tIns="45720" rIns="91440" bIns="45720" rtlCol="0">
+            <a:noAutofit/>
+          </a:bodyPr>
+          <a:lstStyle>
+            <a:lvl1pPr marL="0" indent="0" algn="ctr" defTabSz="914400" rtl="0" eaLnBrk="1" latinLnBrk="0" hangingPunct="1">
+              <a:lnSpc>
+                <a:spcPct val="150000"/>
+              </a:lnSpc>
+              <a:spcBef>
+                <a:spcPts val="1000"/>
+              </a:spcBef>
+              <a:buFont typeface="Arial" panose="020B0604020202020204" pitchFamily="34" charset="0"/>
+              <a:buNone/>
+              <a:defRPr sz="1800" kern="1200" spc="300">
+                <a:solidFill>
+                  <a:schemeClr val="tx1"/>
+                </a:solidFill>
+                <a:latin typeface="+mn-lt"/>
+                <a:ea typeface="+mn-ea"/>
+                <a:cs typeface="+mn-cs"/>
+              </a:defRPr>
+            </a:lvl1pPr>
+            <a:lvl2pPr marL="457200" indent="0" algn="l" defTabSz="914400" rtl="0" eaLnBrk="1" latinLnBrk="0" hangingPunct="1">
+              <a:lnSpc>
+                <a:spcPct val="150000"/>
+              </a:lnSpc>
+              <a:spcBef>
+                <a:spcPts val="500"/>
+              </a:spcBef>
+              <a:buFont typeface="Arial" panose="020B0604020202020204" pitchFamily="34" charset="0"/>
+              <a:buNone/>
+              <a:defRPr sz="1400" kern="1200">
+                <a:solidFill>
+                  <a:schemeClr val="tx1"/>
+                </a:solidFill>
+                <a:latin typeface="+mn-lt"/>
+                <a:ea typeface="+mn-ea"/>
+                <a:cs typeface="+mn-cs"/>
+              </a:defRPr>
+            </a:lvl2pPr>
+            <a:lvl3pPr marL="1143000" indent="-228600" algn="l" defTabSz="914400" rtl="0" eaLnBrk="1" latinLnBrk="0" hangingPunct="1">
+              <a:lnSpc>
+                <a:spcPct val="150000"/>
+              </a:lnSpc>
+              <a:spcBef>
+                <a:spcPts val="500"/>
+              </a:spcBef>
+              <a:buFont typeface="Arial" panose="020B0604020202020204" pitchFamily="34" charset="0"/>
+              <a:buChar char="•"/>
+              <a:defRPr sz="1400" kern="1200">
+                <a:solidFill>
+                  <a:schemeClr val="tx1"/>
+                </a:solidFill>
+                <a:latin typeface="+mn-lt"/>
+                <a:ea typeface="+mn-ea"/>
+                <a:cs typeface="+mn-cs"/>
+              </a:defRPr>
+            </a:lvl3pPr>
+            <a:lvl4pPr marL="1600200" indent="-228600" algn="l" defTabSz="914400" rtl="0" eaLnBrk="1" latinLnBrk="0" hangingPunct="1">
+              <a:lnSpc>
+                <a:spcPct val="150000"/>
+              </a:lnSpc>
+              <a:spcBef>
+                <a:spcPts val="500"/>
+              </a:spcBef>
+              <a:buFont typeface="Arial" panose="020B0604020202020204" pitchFamily="34" charset="0"/>
+              <a:buChar char="•"/>
+              <a:defRPr sz="1200" kern="1200">
+                <a:solidFill>
+                  <a:schemeClr val="tx1"/>
+                </a:solidFill>
+                <a:latin typeface="+mn-lt"/>
+                <a:ea typeface="+mn-ea"/>
+                <a:cs typeface="+mn-cs"/>
+              </a:defRPr>
+            </a:lvl4pPr>
+            <a:lvl5pPr marL="2057400" indent="-228600" algn="l" defTabSz="914400" rtl="0" eaLnBrk="1" latinLnBrk="0" hangingPunct="1">
+              <a:lnSpc>
+                <a:spcPct val="150000"/>
+              </a:lnSpc>
+              <a:spcBef>
+                <a:spcPts val="500"/>
+              </a:spcBef>
+              <a:buFont typeface="Arial" panose="020B0604020202020204" pitchFamily="34" charset="0"/>
+              <a:buChar char="•"/>
+              <a:defRPr sz="1200" kern="1200">
+                <a:solidFill>
+                  <a:schemeClr val="tx1"/>
+                </a:solidFill>
+                <a:latin typeface="+mn-lt"/>
+                <a:ea typeface="+mn-ea"/>
+                <a:cs typeface="+mn-cs"/>
+              </a:defRPr>
+            </a:lvl5pPr>
+            <a:lvl6pPr marL="2514600" indent="-228600" algn="l" defTabSz="914400" rtl="0" eaLnBrk="1" latinLnBrk="0" hangingPunct="1">
+              <a:lnSpc>
+                <a:spcPct val="90000"/>
+              </a:lnSpc>
+              <a:spcBef>
+                <a:spcPts val="500"/>
+              </a:spcBef>
+              <a:buFont typeface="Arial" panose="020B0604020202020204" pitchFamily="34" charset="0"/>
+              <a:buChar char="•"/>
+              <a:defRPr sz="1800" kern="1200">
+                <a:solidFill>
+                  <a:schemeClr val="tx1"/>
+                </a:solidFill>
+                <a:latin typeface="+mn-lt"/>
+                <a:ea typeface="+mn-ea"/>
+                <a:cs typeface="+mn-cs"/>
+              </a:defRPr>
+            </a:lvl6pPr>
+            <a:lvl7pPr marL="2971800" indent="-228600" algn="l" defTabSz="914400" rtl="0" eaLnBrk="1" latinLnBrk="0" hangingPunct="1">
+              <a:lnSpc>
+                <a:spcPct val="90000"/>
+              </a:lnSpc>
+              <a:spcBef>
+                <a:spcPts val="500"/>
+              </a:spcBef>
+              <a:buFont typeface="Arial" panose="020B0604020202020204" pitchFamily="34" charset="0"/>
+              <a:buChar char="•"/>
+              <a:defRPr sz="1800" kern="1200">
+                <a:solidFill>
+                  <a:schemeClr val="tx1"/>
+                </a:solidFill>
+                <a:latin typeface="+mn-lt"/>
+                <a:ea typeface="+mn-ea"/>
+                <a:cs typeface="+mn-cs"/>
+              </a:defRPr>
+            </a:lvl7pPr>
+            <a:lvl8pPr marL="3429000" indent="-228600" algn="l" defTabSz="914400" rtl="0" eaLnBrk="1" latinLnBrk="0" hangingPunct="1">
+              <a:lnSpc>
+                <a:spcPct val="90000"/>
+              </a:lnSpc>
+              <a:spcBef>
+                <a:spcPts val="500"/>
+              </a:spcBef>
+              <a:buFont typeface="Arial" panose="020B0604020202020204" pitchFamily="34" charset="0"/>
+              <a:buChar char="•"/>
+              <a:defRPr sz="1800" kern="1200">
+                <a:solidFill>
+                  <a:schemeClr val="tx1"/>
+                </a:solidFill>
+                <a:latin typeface="+mn-lt"/>
+                <a:ea typeface="+mn-ea"/>
+                <a:cs typeface="+mn-cs"/>
+              </a:defRPr>
+            </a:lvl8pPr>
+            <a:lvl9pPr marL="3886200" indent="-228600" algn="l" defTabSz="914400" rtl="0" eaLnBrk="1" latinLnBrk="0" hangingPunct="1">
+              <a:lnSpc>
+                <a:spcPct val="90000"/>
+              </a:lnSpc>
+              <a:spcBef>
+                <a:spcPts val="500"/>
+              </a:spcBef>
+              <a:buFont typeface="Arial" panose="020B0604020202020204" pitchFamily="34" charset="0"/>
+              <a:buChar char="•"/>
+              <a:defRPr sz="1800" kern="1200">
+                <a:solidFill>
+                  <a:schemeClr val="tx1"/>
+                </a:solidFill>
+                <a:latin typeface="+mn-lt"/>
+                <a:ea typeface="+mn-ea"/>
+                <a:cs typeface="+mn-cs"/>
+              </a:defRPr>
+            </a:lvl9pPr>
+          </a:lstStyle>
+          <a:p>
+            <a:endParaRPr lang="en-US" sz="1400" spc="0" dirty="0"/>
+          </a:p>
+        </p:txBody>
+      </p:sp>
+      <p:sp>
+        <p:nvSpPr>
+          <p:cNvPr id="19" name="TextBox 18">
+            <a:extLst>
+              <a:ext uri="{FF2B5EF4-FFF2-40B4-BE49-F238E27FC236}">
+                <a16:creationId xmlns:a16="http://schemas.microsoft.com/office/drawing/2014/main" id="{07F5C9D9-B3AB-4FF4-874C-8E69DC7F1771}"/>
+              </a:ext>
+            </a:extLst>
+          </p:cNvPr>
+          <p:cNvSpPr txBox="1"/>
+          <p:nvPr/>
+        </p:nvSpPr>
+        <p:spPr>
+          <a:xfrm>
+            <a:off x="571500" y="1082040"/>
+            <a:ext cx="11117580" cy="4953000"/>
+          </a:xfrm>
+          <a:prstGeom prst="rect">
+            <a:avLst/>
+          </a:prstGeom>
+          <a:noFill/>
+        </p:spPr>
+        <p:txBody>
+          <a:bodyPr wrap="square" rtlCol="0">
+            <a:spAutoFit/>
+          </a:bodyPr>
+          <a:lstStyle/>
+          <a:p>
+            <a:endParaRPr lang="en-US" dirty="0"/>
+          </a:p>
+        </p:txBody>
+      </p:sp>
+      <p:sp>
+        <p:nvSpPr>
+          <p:cNvPr id="9" name="TextBox 8">
+            <a:extLst>
+              <a:ext uri="{FF2B5EF4-FFF2-40B4-BE49-F238E27FC236}">
+                <a16:creationId xmlns:a16="http://schemas.microsoft.com/office/drawing/2014/main" id="{00A91E5E-3DD0-428C-8160-A69FCC8BEF16}"/>
+              </a:ext>
+            </a:extLst>
+          </p:cNvPr>
+          <p:cNvSpPr txBox="1"/>
+          <p:nvPr/>
+        </p:nvSpPr>
+        <p:spPr>
+          <a:xfrm>
+            <a:off x="1416654" y="1356360"/>
+            <a:ext cx="4776949" cy="707886"/>
+          </a:xfrm>
+          <a:prstGeom prst="rect">
+            <a:avLst/>
+          </a:prstGeom>
+          <a:noFill/>
+        </p:spPr>
+        <p:txBody>
+          <a:bodyPr wrap="none" rtlCol="0">
+            <a:spAutoFit/>
+          </a:bodyPr>
+          <a:lstStyle/>
+          <a:p>
+            <a:r>
+              <a:rPr lang="en-US" sz="4000" u="sng" dirty="0"/>
+              <a:t>Old features statistics:</a:t>
+            </a:r>
+          </a:p>
+        </p:txBody>
+      </p:sp>
+      <p:pic>
+        <p:nvPicPr>
+          <p:cNvPr id="3" name="Picture 2">
+            <a:extLst>
+              <a:ext uri="{FF2B5EF4-FFF2-40B4-BE49-F238E27FC236}">
+                <a16:creationId xmlns:a16="http://schemas.microsoft.com/office/drawing/2014/main" id="{398D0B78-3E72-4D5A-841B-FACF0C5CEEB6}"/>
+              </a:ext>
+            </a:extLst>
+          </p:cNvPr>
+          <p:cNvPicPr>
+            <a:picLocks noChangeAspect="1"/>
+          </p:cNvPicPr>
+          <p:nvPr/>
+        </p:nvPicPr>
+        <p:blipFill>
+          <a:blip r:embed="rId4"/>
+          <a:stretch>
+            <a:fillRect/>
+          </a:stretch>
+        </p:blipFill>
+        <p:spPr>
+          <a:xfrm>
+            <a:off x="1323975" y="2225993"/>
+            <a:ext cx="4772025" cy="3362325"/>
+          </a:xfrm>
+          <a:prstGeom prst="rect">
+            <a:avLst/>
+          </a:prstGeom>
+        </p:spPr>
+      </p:pic>
+      <p:pic>
+        <p:nvPicPr>
+          <p:cNvPr id="5" name="Picture 4">
+            <a:extLst>
+              <a:ext uri="{FF2B5EF4-FFF2-40B4-BE49-F238E27FC236}">
+                <a16:creationId xmlns:a16="http://schemas.microsoft.com/office/drawing/2014/main" id="{6DC67641-9A65-4E3A-8B33-C9F76B78D4BD}"/>
+              </a:ext>
+            </a:extLst>
+          </p:cNvPr>
+          <p:cNvPicPr>
+            <a:picLocks noChangeAspect="1"/>
+          </p:cNvPicPr>
+          <p:nvPr/>
+        </p:nvPicPr>
+        <p:blipFill>
+          <a:blip r:embed="rId5"/>
+          <a:stretch>
+            <a:fillRect/>
+          </a:stretch>
+        </p:blipFill>
+        <p:spPr>
+          <a:xfrm>
+            <a:off x="6308786" y="2211705"/>
+            <a:ext cx="4924425" cy="3390900"/>
+          </a:xfrm>
+          <a:prstGeom prst="rect">
+            <a:avLst/>
+          </a:prstGeom>
+        </p:spPr>
+      </p:pic>
+    </p:spTree>
+    <p:extLst>
+      <p:ext uri="{BB962C8B-B14F-4D97-AF65-F5344CB8AC3E}">
+        <p14:creationId xmlns:p14="http://schemas.microsoft.com/office/powerpoint/2010/main" val="3401841367"/>
+      </p:ext>
+    </p:extLst>
+  </p:cSld>
+  <p:clrMapOvr>
+    <a:masterClrMapping/>
+  </p:clrMapOvr>
+</p:sld>
+</file>
+
+<file path=ppt/slides/slide11.xml><?xml version="1.0" encoding="utf-8"?>
+<p:sld xmlns:a="http://schemas.openxmlformats.org/drawingml/2006/main" xmlns:r="http://schemas.openxmlformats.org/officeDocument/2006/relationships" xmlns:p="http://schemas.openxmlformats.org/presentationml/2006/main">
+  <p:cSld>
+    <p:spTree>
+      <p:nvGrpSpPr>
+        <p:cNvPr id="1" name=""/>
+        <p:cNvGrpSpPr/>
+        <p:nvPr/>
+      </p:nvGrpSpPr>
+      <p:grpSpPr>
+        <a:xfrm>
+          <a:off x="0" y="0"/>
+          <a:ext cx="0" cy="0"/>
+          <a:chOff x="0" y="0"/>
+          <a:chExt cx="0" cy="0"/>
+        </a:xfrm>
+      </p:grpSpPr>
+      <p:pic>
+        <p:nvPicPr>
+          <p:cNvPr id="8" name="Picture Placeholder 7" descr="abstract image">
+            <a:extLst>
+              <a:ext uri="{FF2B5EF4-FFF2-40B4-BE49-F238E27FC236}">
+                <a16:creationId xmlns:a16="http://schemas.microsoft.com/office/drawing/2014/main" id="{9AB29DBC-55D3-49D9-BB44-4936739C4B57}"/>
+              </a:ext>
+            </a:extLst>
+          </p:cNvPr>
+          <p:cNvPicPr>
+            <a:picLocks noGrp="1" noChangeAspect="1"/>
+          </p:cNvPicPr>
+          <p:nvPr>
+            <p:ph type="pic" sz="quarter" idx="10"/>
+          </p:nvPr>
+        </p:nvPicPr>
+        <p:blipFill rotWithShape="1">
+          <a:blip r:embed="rId2">
+            <a:alphaModFix amt="52000"/>
+            <a:extLst>
+              <a:ext uri="{BEBA8EAE-BF5A-486C-A8C5-ECC9F3942E4B}">
+                <a14:imgProps xmlns:a14="http://schemas.microsoft.com/office/drawing/2010/main">
+                  <a14:imgLayer r:embed="rId3">
+                    <a14:imgEffect>
+                      <a14:saturation sat="0"/>
+                    </a14:imgEffect>
+                  </a14:imgLayer>
+                </a14:imgProps>
+              </a:ext>
+            </a:extLst>
+          </a:blip>
+          <a:srcRect/>
+          <a:stretch/>
+        </p:blipFill>
+        <p:spPr/>
+      </p:pic>
+      <p:sp>
+        <p:nvSpPr>
+          <p:cNvPr id="16" name="Text Placeholder 3">
+            <a:extLst>
+              <a:ext uri="{FF2B5EF4-FFF2-40B4-BE49-F238E27FC236}">
+                <a16:creationId xmlns:a16="http://schemas.microsoft.com/office/drawing/2014/main" id="{99C95DF4-357B-4573-A5FD-B99A9F84F2ED}"/>
+              </a:ext>
+            </a:extLst>
+          </p:cNvPr>
+          <p:cNvSpPr txBox="1">
+            <a:spLocks/>
+          </p:cNvSpPr>
+          <p:nvPr/>
+        </p:nvSpPr>
+        <p:spPr>
+          <a:xfrm>
+            <a:off x="958789" y="3688734"/>
+            <a:ext cx="5628442" cy="510652"/>
+          </a:xfrm>
+          <a:prstGeom prst="rect">
+            <a:avLst/>
+          </a:prstGeom>
+        </p:spPr>
+        <p:txBody>
+          <a:bodyPr vert="horz" lIns="91440" tIns="45720" rIns="91440" bIns="45720" rtlCol="0">
+            <a:noAutofit/>
+          </a:bodyPr>
+          <a:lstStyle>
+            <a:lvl1pPr marL="0" indent="0" algn="ctr" defTabSz="914400" rtl="0" eaLnBrk="1" latinLnBrk="0" hangingPunct="1">
+              <a:lnSpc>
+                <a:spcPct val="150000"/>
+              </a:lnSpc>
+              <a:spcBef>
+                <a:spcPts val="1000"/>
+              </a:spcBef>
+              <a:buFont typeface="Arial" panose="020B0604020202020204" pitchFamily="34" charset="0"/>
+              <a:buNone/>
+              <a:defRPr sz="1800" kern="1200" spc="300">
+                <a:solidFill>
+                  <a:schemeClr val="tx1"/>
+                </a:solidFill>
+                <a:latin typeface="+mn-lt"/>
+                <a:ea typeface="+mn-ea"/>
+                <a:cs typeface="+mn-cs"/>
+              </a:defRPr>
+            </a:lvl1pPr>
+            <a:lvl2pPr marL="457200" indent="0" algn="l" defTabSz="914400" rtl="0" eaLnBrk="1" latinLnBrk="0" hangingPunct="1">
+              <a:lnSpc>
+                <a:spcPct val="150000"/>
+              </a:lnSpc>
+              <a:spcBef>
+                <a:spcPts val="500"/>
+              </a:spcBef>
+              <a:buFont typeface="Arial" panose="020B0604020202020204" pitchFamily="34" charset="0"/>
+              <a:buNone/>
+              <a:defRPr sz="1400" kern="1200">
+                <a:solidFill>
+                  <a:schemeClr val="tx1"/>
+                </a:solidFill>
+                <a:latin typeface="+mn-lt"/>
+                <a:ea typeface="+mn-ea"/>
+                <a:cs typeface="+mn-cs"/>
+              </a:defRPr>
+            </a:lvl2pPr>
+            <a:lvl3pPr marL="1143000" indent="-228600" algn="l" defTabSz="914400" rtl="0" eaLnBrk="1" latinLnBrk="0" hangingPunct="1">
+              <a:lnSpc>
+                <a:spcPct val="150000"/>
+              </a:lnSpc>
+              <a:spcBef>
+                <a:spcPts val="500"/>
+              </a:spcBef>
+              <a:buFont typeface="Arial" panose="020B0604020202020204" pitchFamily="34" charset="0"/>
+              <a:buChar char="•"/>
+              <a:defRPr sz="1400" kern="1200">
+                <a:solidFill>
+                  <a:schemeClr val="tx1"/>
+                </a:solidFill>
+                <a:latin typeface="+mn-lt"/>
+                <a:ea typeface="+mn-ea"/>
+                <a:cs typeface="+mn-cs"/>
+              </a:defRPr>
+            </a:lvl3pPr>
+            <a:lvl4pPr marL="1600200" indent="-228600" algn="l" defTabSz="914400" rtl="0" eaLnBrk="1" latinLnBrk="0" hangingPunct="1">
+              <a:lnSpc>
+                <a:spcPct val="150000"/>
+              </a:lnSpc>
+              <a:spcBef>
+                <a:spcPts val="500"/>
+              </a:spcBef>
+              <a:buFont typeface="Arial" panose="020B0604020202020204" pitchFamily="34" charset="0"/>
+              <a:buChar char="•"/>
+              <a:defRPr sz="1200" kern="1200">
+                <a:solidFill>
+                  <a:schemeClr val="tx1"/>
+                </a:solidFill>
+                <a:latin typeface="+mn-lt"/>
+                <a:ea typeface="+mn-ea"/>
+                <a:cs typeface="+mn-cs"/>
+              </a:defRPr>
+            </a:lvl4pPr>
+            <a:lvl5pPr marL="2057400" indent="-228600" algn="l" defTabSz="914400" rtl="0" eaLnBrk="1" latinLnBrk="0" hangingPunct="1">
+              <a:lnSpc>
+                <a:spcPct val="150000"/>
+              </a:lnSpc>
+              <a:spcBef>
+                <a:spcPts val="500"/>
+              </a:spcBef>
+              <a:buFont typeface="Arial" panose="020B0604020202020204" pitchFamily="34" charset="0"/>
+              <a:buChar char="•"/>
+              <a:defRPr sz="1200" kern="1200">
+                <a:solidFill>
+                  <a:schemeClr val="tx1"/>
+                </a:solidFill>
+                <a:latin typeface="+mn-lt"/>
+                <a:ea typeface="+mn-ea"/>
+                <a:cs typeface="+mn-cs"/>
+              </a:defRPr>
+            </a:lvl5pPr>
+            <a:lvl6pPr marL="2514600" indent="-228600" algn="l" defTabSz="914400" rtl="0" eaLnBrk="1" latinLnBrk="0" hangingPunct="1">
+              <a:lnSpc>
+                <a:spcPct val="90000"/>
+              </a:lnSpc>
+              <a:spcBef>
+                <a:spcPts val="500"/>
+              </a:spcBef>
+              <a:buFont typeface="Arial" panose="020B0604020202020204" pitchFamily="34" charset="0"/>
+              <a:buChar char="•"/>
+              <a:defRPr sz="1800" kern="1200">
+                <a:solidFill>
+                  <a:schemeClr val="tx1"/>
+                </a:solidFill>
+                <a:latin typeface="+mn-lt"/>
+                <a:ea typeface="+mn-ea"/>
+                <a:cs typeface="+mn-cs"/>
+              </a:defRPr>
+            </a:lvl6pPr>
+            <a:lvl7pPr marL="2971800" indent="-228600" algn="l" defTabSz="914400" rtl="0" eaLnBrk="1" latinLnBrk="0" hangingPunct="1">
+              <a:lnSpc>
+                <a:spcPct val="90000"/>
+              </a:lnSpc>
+              <a:spcBef>
+                <a:spcPts val="500"/>
+              </a:spcBef>
+              <a:buFont typeface="Arial" panose="020B0604020202020204" pitchFamily="34" charset="0"/>
+              <a:buChar char="•"/>
+              <a:defRPr sz="1800" kern="1200">
+                <a:solidFill>
+                  <a:schemeClr val="tx1"/>
+                </a:solidFill>
+                <a:latin typeface="+mn-lt"/>
+                <a:ea typeface="+mn-ea"/>
+                <a:cs typeface="+mn-cs"/>
+              </a:defRPr>
+            </a:lvl7pPr>
+            <a:lvl8pPr marL="3429000" indent="-228600" algn="l" defTabSz="914400" rtl="0" eaLnBrk="1" latinLnBrk="0" hangingPunct="1">
+              <a:lnSpc>
+                <a:spcPct val="90000"/>
+              </a:lnSpc>
+              <a:spcBef>
+                <a:spcPts val="500"/>
+              </a:spcBef>
+              <a:buFont typeface="Arial" panose="020B0604020202020204" pitchFamily="34" charset="0"/>
+              <a:buChar char="•"/>
+              <a:defRPr sz="1800" kern="1200">
+                <a:solidFill>
+                  <a:schemeClr val="tx1"/>
+                </a:solidFill>
+                <a:latin typeface="+mn-lt"/>
+                <a:ea typeface="+mn-ea"/>
+                <a:cs typeface="+mn-cs"/>
+              </a:defRPr>
+            </a:lvl8pPr>
+            <a:lvl9pPr marL="3886200" indent="-228600" algn="l" defTabSz="914400" rtl="0" eaLnBrk="1" latinLnBrk="0" hangingPunct="1">
+              <a:lnSpc>
+                <a:spcPct val="90000"/>
+              </a:lnSpc>
+              <a:spcBef>
+                <a:spcPts val="500"/>
+              </a:spcBef>
+              <a:buFont typeface="Arial" panose="020B0604020202020204" pitchFamily="34" charset="0"/>
+              <a:buChar char="•"/>
+              <a:defRPr sz="1800" kern="1200">
+                <a:solidFill>
+                  <a:schemeClr val="tx1"/>
+                </a:solidFill>
+                <a:latin typeface="+mn-lt"/>
+                <a:ea typeface="+mn-ea"/>
+                <a:cs typeface="+mn-cs"/>
+              </a:defRPr>
+            </a:lvl9pPr>
+          </a:lstStyle>
+          <a:p>
+            <a:endParaRPr lang="en-US" sz="1400" spc="0" dirty="0"/>
+          </a:p>
+        </p:txBody>
+      </p:sp>
+      <p:sp>
+        <p:nvSpPr>
+          <p:cNvPr id="19" name="TextBox 18">
+            <a:extLst>
+              <a:ext uri="{FF2B5EF4-FFF2-40B4-BE49-F238E27FC236}">
+                <a16:creationId xmlns:a16="http://schemas.microsoft.com/office/drawing/2014/main" id="{07F5C9D9-B3AB-4FF4-874C-8E69DC7F1771}"/>
+              </a:ext>
+            </a:extLst>
+          </p:cNvPr>
+          <p:cNvSpPr txBox="1"/>
+          <p:nvPr/>
+        </p:nvSpPr>
+        <p:spPr>
+          <a:xfrm>
+            <a:off x="571500" y="1082040"/>
+            <a:ext cx="11117580" cy="4953000"/>
+          </a:xfrm>
+          <a:prstGeom prst="rect">
+            <a:avLst/>
+          </a:prstGeom>
+          <a:noFill/>
+        </p:spPr>
+        <p:txBody>
+          <a:bodyPr wrap="square" rtlCol="0">
+            <a:spAutoFit/>
+          </a:bodyPr>
+          <a:lstStyle/>
+          <a:p>
+            <a:endParaRPr lang="en-US" dirty="0"/>
+          </a:p>
+        </p:txBody>
+      </p:sp>
+      <p:sp>
+        <p:nvSpPr>
+          <p:cNvPr id="9" name="TextBox 8">
+            <a:extLst>
+              <a:ext uri="{FF2B5EF4-FFF2-40B4-BE49-F238E27FC236}">
+                <a16:creationId xmlns:a16="http://schemas.microsoft.com/office/drawing/2014/main" id="{00A91E5E-3DD0-428C-8160-A69FCC8BEF16}"/>
+              </a:ext>
+            </a:extLst>
+          </p:cNvPr>
+          <p:cNvSpPr txBox="1"/>
+          <p:nvPr/>
+        </p:nvSpPr>
+        <p:spPr>
+          <a:xfrm>
+            <a:off x="1416654" y="1356360"/>
+            <a:ext cx="6067558" cy="707886"/>
+          </a:xfrm>
+          <a:prstGeom prst="rect">
+            <a:avLst/>
+          </a:prstGeom>
+          <a:noFill/>
+        </p:spPr>
+        <p:txBody>
+          <a:bodyPr wrap="none" rtlCol="0">
+            <a:spAutoFit/>
+          </a:bodyPr>
+          <a:lstStyle/>
+          <a:p>
+            <a:r>
+              <a:rPr lang="en-US" sz="4000" u="sng" dirty="0"/>
+              <a:t>Results – Logistic Regression</a:t>
+            </a:r>
+          </a:p>
+        </p:txBody>
+      </p:sp>
+      <p:pic>
+        <p:nvPicPr>
+          <p:cNvPr id="3" name="Picture 2">
+            <a:extLst>
+              <a:ext uri="{FF2B5EF4-FFF2-40B4-BE49-F238E27FC236}">
+                <a16:creationId xmlns:a16="http://schemas.microsoft.com/office/drawing/2014/main" id="{C5FBE9B7-723B-45E3-BD0A-8B12095FCAC2}"/>
+              </a:ext>
+            </a:extLst>
+          </p:cNvPr>
+          <p:cNvPicPr>
+            <a:picLocks noChangeAspect="1"/>
+          </p:cNvPicPr>
+          <p:nvPr/>
+        </p:nvPicPr>
+        <p:blipFill>
+          <a:blip r:embed="rId4"/>
+          <a:stretch>
+            <a:fillRect/>
+          </a:stretch>
+        </p:blipFill>
+        <p:spPr>
+          <a:xfrm>
+            <a:off x="1416654" y="2064246"/>
+            <a:ext cx="3124200" cy="4438650"/>
+          </a:xfrm>
+          <a:prstGeom prst="rect">
+            <a:avLst/>
+          </a:prstGeom>
+        </p:spPr>
+      </p:pic>
+    </p:spTree>
+    <p:extLst>
+      <p:ext uri="{BB962C8B-B14F-4D97-AF65-F5344CB8AC3E}">
+        <p14:creationId xmlns:p14="http://schemas.microsoft.com/office/powerpoint/2010/main" val="2977316913"/>
+      </p:ext>
+    </p:extLst>
+  </p:cSld>
+  <p:clrMapOvr>
+    <a:masterClrMapping/>
+  </p:clrMapOvr>
+</p:sld>
+</file>
+
+<file path=ppt/slides/slide12.xml><?xml version="1.0" encoding="utf-8"?>
+<p:sld xmlns:a="http://schemas.openxmlformats.org/drawingml/2006/main" xmlns:r="http://schemas.openxmlformats.org/officeDocument/2006/relationships" xmlns:p="http://schemas.openxmlformats.org/presentationml/2006/main">
+  <p:cSld>
+    <p:spTree>
+      <p:nvGrpSpPr>
+        <p:cNvPr id="1" name=""/>
+        <p:cNvGrpSpPr/>
+        <p:nvPr/>
+      </p:nvGrpSpPr>
+      <p:grpSpPr>
+        <a:xfrm>
+          <a:off x="0" y="0"/>
+          <a:ext cx="0" cy="0"/>
+          <a:chOff x="0" y="0"/>
+          <a:chExt cx="0" cy="0"/>
+        </a:xfrm>
+      </p:grpSpPr>
+      <p:pic>
+        <p:nvPicPr>
+          <p:cNvPr id="8" name="Picture Placeholder 7" descr="abstract image">
+            <a:extLst>
+              <a:ext uri="{FF2B5EF4-FFF2-40B4-BE49-F238E27FC236}">
+                <a16:creationId xmlns:a16="http://schemas.microsoft.com/office/drawing/2014/main" id="{9AB29DBC-55D3-49D9-BB44-4936739C4B57}"/>
+              </a:ext>
+            </a:extLst>
+          </p:cNvPr>
+          <p:cNvPicPr>
+            <a:picLocks noGrp="1" noChangeAspect="1"/>
+          </p:cNvPicPr>
+          <p:nvPr>
+            <p:ph type="pic" sz="quarter" idx="10"/>
+          </p:nvPr>
+        </p:nvPicPr>
+        <p:blipFill rotWithShape="1">
+          <a:blip r:embed="rId2">
+            <a:alphaModFix amt="52000"/>
+            <a:extLst>
+              <a:ext uri="{BEBA8EAE-BF5A-486C-A8C5-ECC9F3942E4B}">
+                <a14:imgProps xmlns:a14="http://schemas.microsoft.com/office/drawing/2010/main">
+                  <a14:imgLayer r:embed="rId3">
+                    <a14:imgEffect>
+                      <a14:saturation sat="0"/>
+                    </a14:imgEffect>
+                  </a14:imgLayer>
+                </a14:imgProps>
+              </a:ext>
+            </a:extLst>
+          </a:blip>
+          <a:srcRect/>
+          <a:stretch/>
+        </p:blipFill>
+        <p:spPr/>
+      </p:pic>
+      <p:sp>
+        <p:nvSpPr>
+          <p:cNvPr id="16" name="Text Placeholder 3">
+            <a:extLst>
+              <a:ext uri="{FF2B5EF4-FFF2-40B4-BE49-F238E27FC236}">
+                <a16:creationId xmlns:a16="http://schemas.microsoft.com/office/drawing/2014/main" id="{99C95DF4-357B-4573-A5FD-B99A9F84F2ED}"/>
+              </a:ext>
+            </a:extLst>
+          </p:cNvPr>
+          <p:cNvSpPr txBox="1">
+            <a:spLocks/>
+          </p:cNvSpPr>
+          <p:nvPr/>
+        </p:nvSpPr>
+        <p:spPr>
+          <a:xfrm>
+            <a:off x="958789" y="3688734"/>
+            <a:ext cx="5628442" cy="510652"/>
+          </a:xfrm>
+          <a:prstGeom prst="rect">
+            <a:avLst/>
+          </a:prstGeom>
+        </p:spPr>
+        <p:txBody>
+          <a:bodyPr vert="horz" lIns="91440" tIns="45720" rIns="91440" bIns="45720" rtlCol="0">
+            <a:noAutofit/>
+          </a:bodyPr>
+          <a:lstStyle>
+            <a:lvl1pPr marL="0" indent="0" algn="ctr" defTabSz="914400" rtl="0" eaLnBrk="1" latinLnBrk="0" hangingPunct="1">
+              <a:lnSpc>
+                <a:spcPct val="150000"/>
+              </a:lnSpc>
+              <a:spcBef>
+                <a:spcPts val="1000"/>
+              </a:spcBef>
+              <a:buFont typeface="Arial" panose="020B0604020202020204" pitchFamily="34" charset="0"/>
+              <a:buNone/>
+              <a:defRPr sz="1800" kern="1200" spc="300">
+                <a:solidFill>
+                  <a:schemeClr val="tx1"/>
+                </a:solidFill>
+                <a:latin typeface="+mn-lt"/>
+                <a:ea typeface="+mn-ea"/>
+                <a:cs typeface="+mn-cs"/>
+              </a:defRPr>
+            </a:lvl1pPr>
+            <a:lvl2pPr marL="457200" indent="0" algn="l" defTabSz="914400" rtl="0" eaLnBrk="1" latinLnBrk="0" hangingPunct="1">
+              <a:lnSpc>
+                <a:spcPct val="150000"/>
+              </a:lnSpc>
+              <a:spcBef>
+                <a:spcPts val="500"/>
+              </a:spcBef>
+              <a:buFont typeface="Arial" panose="020B0604020202020204" pitchFamily="34" charset="0"/>
+              <a:buNone/>
+              <a:defRPr sz="1400" kern="1200">
+                <a:solidFill>
+                  <a:schemeClr val="tx1"/>
+                </a:solidFill>
+                <a:latin typeface="+mn-lt"/>
+                <a:ea typeface="+mn-ea"/>
+                <a:cs typeface="+mn-cs"/>
+              </a:defRPr>
+            </a:lvl2pPr>
+            <a:lvl3pPr marL="1143000" indent="-228600" algn="l" defTabSz="914400" rtl="0" eaLnBrk="1" latinLnBrk="0" hangingPunct="1">
+              <a:lnSpc>
+                <a:spcPct val="150000"/>
+              </a:lnSpc>
+              <a:spcBef>
+                <a:spcPts val="500"/>
+              </a:spcBef>
+              <a:buFont typeface="Arial" panose="020B0604020202020204" pitchFamily="34" charset="0"/>
+              <a:buChar char="•"/>
+              <a:defRPr sz="1400" kern="1200">
+                <a:solidFill>
+                  <a:schemeClr val="tx1"/>
+                </a:solidFill>
+                <a:latin typeface="+mn-lt"/>
+                <a:ea typeface="+mn-ea"/>
+                <a:cs typeface="+mn-cs"/>
+              </a:defRPr>
+            </a:lvl3pPr>
+            <a:lvl4pPr marL="1600200" indent="-228600" algn="l" defTabSz="914400" rtl="0" eaLnBrk="1" latinLnBrk="0" hangingPunct="1">
+              <a:lnSpc>
+                <a:spcPct val="150000"/>
+              </a:lnSpc>
+              <a:spcBef>
+                <a:spcPts val="500"/>
+              </a:spcBef>
+              <a:buFont typeface="Arial" panose="020B0604020202020204" pitchFamily="34" charset="0"/>
+              <a:buChar char="•"/>
+              <a:defRPr sz="1200" kern="1200">
+                <a:solidFill>
+                  <a:schemeClr val="tx1"/>
+                </a:solidFill>
+                <a:latin typeface="+mn-lt"/>
+                <a:ea typeface="+mn-ea"/>
+                <a:cs typeface="+mn-cs"/>
+              </a:defRPr>
+            </a:lvl4pPr>
+            <a:lvl5pPr marL="2057400" indent="-228600" algn="l" defTabSz="914400" rtl="0" eaLnBrk="1" latinLnBrk="0" hangingPunct="1">
+              <a:lnSpc>
+                <a:spcPct val="150000"/>
+              </a:lnSpc>
+              <a:spcBef>
+                <a:spcPts val="500"/>
+              </a:spcBef>
+              <a:buFont typeface="Arial" panose="020B0604020202020204" pitchFamily="34" charset="0"/>
+              <a:buChar char="•"/>
+              <a:defRPr sz="1200" kern="1200">
+                <a:solidFill>
+                  <a:schemeClr val="tx1"/>
+                </a:solidFill>
+                <a:latin typeface="+mn-lt"/>
+                <a:ea typeface="+mn-ea"/>
+                <a:cs typeface="+mn-cs"/>
+              </a:defRPr>
+            </a:lvl5pPr>
+            <a:lvl6pPr marL="2514600" indent="-228600" algn="l" defTabSz="914400" rtl="0" eaLnBrk="1" latinLnBrk="0" hangingPunct="1">
+              <a:lnSpc>
+                <a:spcPct val="90000"/>
+              </a:lnSpc>
+              <a:spcBef>
+                <a:spcPts val="500"/>
+              </a:spcBef>
+              <a:buFont typeface="Arial" panose="020B0604020202020204" pitchFamily="34" charset="0"/>
+              <a:buChar char="•"/>
+              <a:defRPr sz="1800" kern="1200">
+                <a:solidFill>
+                  <a:schemeClr val="tx1"/>
+                </a:solidFill>
+                <a:latin typeface="+mn-lt"/>
+                <a:ea typeface="+mn-ea"/>
+                <a:cs typeface="+mn-cs"/>
+              </a:defRPr>
+            </a:lvl6pPr>
+            <a:lvl7pPr marL="2971800" indent="-228600" algn="l" defTabSz="914400" rtl="0" eaLnBrk="1" latinLnBrk="0" hangingPunct="1">
+              <a:lnSpc>
+                <a:spcPct val="90000"/>
+              </a:lnSpc>
+              <a:spcBef>
+                <a:spcPts val="500"/>
+              </a:spcBef>
+              <a:buFont typeface="Arial" panose="020B0604020202020204" pitchFamily="34" charset="0"/>
+              <a:buChar char="•"/>
+              <a:defRPr sz="1800" kern="1200">
+                <a:solidFill>
+                  <a:schemeClr val="tx1"/>
+                </a:solidFill>
+                <a:latin typeface="+mn-lt"/>
+                <a:ea typeface="+mn-ea"/>
+                <a:cs typeface="+mn-cs"/>
+              </a:defRPr>
+            </a:lvl7pPr>
+            <a:lvl8pPr marL="3429000" indent="-228600" algn="l" defTabSz="914400" rtl="0" eaLnBrk="1" latinLnBrk="0" hangingPunct="1">
+              <a:lnSpc>
+                <a:spcPct val="90000"/>
+              </a:lnSpc>
+              <a:spcBef>
+                <a:spcPts val="500"/>
+              </a:spcBef>
+              <a:buFont typeface="Arial" panose="020B0604020202020204" pitchFamily="34" charset="0"/>
+              <a:buChar char="•"/>
+              <a:defRPr sz="1800" kern="1200">
+                <a:solidFill>
+                  <a:schemeClr val="tx1"/>
+                </a:solidFill>
+                <a:latin typeface="+mn-lt"/>
+                <a:ea typeface="+mn-ea"/>
+                <a:cs typeface="+mn-cs"/>
+              </a:defRPr>
+            </a:lvl8pPr>
+            <a:lvl9pPr marL="3886200" indent="-228600" algn="l" defTabSz="914400" rtl="0" eaLnBrk="1" latinLnBrk="0" hangingPunct="1">
+              <a:lnSpc>
+                <a:spcPct val="90000"/>
+              </a:lnSpc>
+              <a:spcBef>
+                <a:spcPts val="500"/>
+              </a:spcBef>
+              <a:buFont typeface="Arial" panose="020B0604020202020204" pitchFamily="34" charset="0"/>
+              <a:buChar char="•"/>
+              <a:defRPr sz="1800" kern="1200">
+                <a:solidFill>
+                  <a:schemeClr val="tx1"/>
+                </a:solidFill>
+                <a:latin typeface="+mn-lt"/>
+                <a:ea typeface="+mn-ea"/>
+                <a:cs typeface="+mn-cs"/>
+              </a:defRPr>
+            </a:lvl9pPr>
+          </a:lstStyle>
+          <a:p>
+            <a:endParaRPr lang="en-US" sz="1400" spc="0" dirty="0"/>
+          </a:p>
+        </p:txBody>
+      </p:sp>
+      <p:sp>
+        <p:nvSpPr>
+          <p:cNvPr id="19" name="TextBox 18">
+            <a:extLst>
+              <a:ext uri="{FF2B5EF4-FFF2-40B4-BE49-F238E27FC236}">
+                <a16:creationId xmlns:a16="http://schemas.microsoft.com/office/drawing/2014/main" id="{07F5C9D9-B3AB-4FF4-874C-8E69DC7F1771}"/>
+              </a:ext>
+            </a:extLst>
+          </p:cNvPr>
+          <p:cNvSpPr txBox="1"/>
+          <p:nvPr/>
+        </p:nvSpPr>
+        <p:spPr>
+          <a:xfrm>
+            <a:off x="571500" y="1082040"/>
+            <a:ext cx="11117580" cy="4953000"/>
+          </a:xfrm>
+          <a:prstGeom prst="rect">
+            <a:avLst/>
+          </a:prstGeom>
+          <a:noFill/>
+        </p:spPr>
+        <p:txBody>
+          <a:bodyPr wrap="square" rtlCol="0">
+            <a:spAutoFit/>
+          </a:bodyPr>
+          <a:lstStyle/>
+          <a:p>
+            <a:endParaRPr lang="en-US" dirty="0"/>
+          </a:p>
+        </p:txBody>
+      </p:sp>
+      <p:sp>
+        <p:nvSpPr>
+          <p:cNvPr id="9" name="TextBox 8">
+            <a:extLst>
+              <a:ext uri="{FF2B5EF4-FFF2-40B4-BE49-F238E27FC236}">
+                <a16:creationId xmlns:a16="http://schemas.microsoft.com/office/drawing/2014/main" id="{00A91E5E-3DD0-428C-8160-A69FCC8BEF16}"/>
+              </a:ext>
+            </a:extLst>
+          </p:cNvPr>
+          <p:cNvSpPr txBox="1"/>
+          <p:nvPr/>
+        </p:nvSpPr>
+        <p:spPr>
+          <a:xfrm>
+            <a:off x="1416654" y="1356360"/>
+            <a:ext cx="5306581" cy="707886"/>
+          </a:xfrm>
+          <a:prstGeom prst="rect">
+            <a:avLst/>
+          </a:prstGeom>
+          <a:noFill/>
+        </p:spPr>
+        <p:txBody>
+          <a:bodyPr wrap="none" rtlCol="0">
+            <a:spAutoFit/>
+          </a:bodyPr>
+          <a:lstStyle/>
+          <a:p>
+            <a:r>
+              <a:rPr lang="en-US" sz="4000" u="sng" dirty="0"/>
+              <a:t>Results – Random Forest</a:t>
+            </a:r>
+          </a:p>
+        </p:txBody>
+      </p:sp>
+      <p:pic>
+        <p:nvPicPr>
+          <p:cNvPr id="3" name="Picture 2">
+            <a:extLst>
+              <a:ext uri="{FF2B5EF4-FFF2-40B4-BE49-F238E27FC236}">
+                <a16:creationId xmlns:a16="http://schemas.microsoft.com/office/drawing/2014/main" id="{1E788BD9-A4FB-49EF-A13D-63CD21CAD76E}"/>
+              </a:ext>
+            </a:extLst>
+          </p:cNvPr>
+          <p:cNvPicPr>
+            <a:picLocks noChangeAspect="1"/>
+          </p:cNvPicPr>
+          <p:nvPr/>
+        </p:nvPicPr>
+        <p:blipFill>
+          <a:blip r:embed="rId4"/>
+          <a:stretch>
+            <a:fillRect/>
+          </a:stretch>
+        </p:blipFill>
+        <p:spPr>
+          <a:xfrm>
+            <a:off x="1538981" y="2113985"/>
+            <a:ext cx="5048250" cy="4486275"/>
+          </a:xfrm>
+          <a:prstGeom prst="rect">
+            <a:avLst/>
+          </a:prstGeom>
+        </p:spPr>
+      </p:pic>
+    </p:spTree>
+    <p:extLst>
+      <p:ext uri="{BB962C8B-B14F-4D97-AF65-F5344CB8AC3E}">
+        <p14:creationId xmlns:p14="http://schemas.microsoft.com/office/powerpoint/2010/main" val="3800381062"/>
+      </p:ext>
+    </p:extLst>
+  </p:cSld>
+  <p:clrMapOvr>
+    <a:masterClrMapping/>
+  </p:clrMapOvr>
+</p:sld>
+</file>
+
+<file path=ppt/slides/slide13.xml><?xml version="1.0" encoding="utf-8"?>
+<p:sld xmlns:a="http://schemas.openxmlformats.org/drawingml/2006/main" xmlns:r="http://schemas.openxmlformats.org/officeDocument/2006/relationships" xmlns:p="http://schemas.openxmlformats.org/presentationml/2006/main">
+  <p:cSld>
+    <p:spTree>
+      <p:nvGrpSpPr>
+        <p:cNvPr id="1" name=""/>
+        <p:cNvGrpSpPr/>
+        <p:nvPr/>
+      </p:nvGrpSpPr>
+      <p:grpSpPr>
+        <a:xfrm>
+          <a:off x="0" y="0"/>
+          <a:ext cx="0" cy="0"/>
+          <a:chOff x="0" y="0"/>
+          <a:chExt cx="0" cy="0"/>
+        </a:xfrm>
+      </p:grpSpPr>
+      <p:pic>
+        <p:nvPicPr>
+          <p:cNvPr id="8" name="Picture Placeholder 7" descr="abstract image">
+            <a:extLst>
+              <a:ext uri="{FF2B5EF4-FFF2-40B4-BE49-F238E27FC236}">
+                <a16:creationId xmlns:a16="http://schemas.microsoft.com/office/drawing/2014/main" id="{9AB29DBC-55D3-49D9-BB44-4936739C4B57}"/>
+              </a:ext>
+            </a:extLst>
+          </p:cNvPr>
+          <p:cNvPicPr>
+            <a:picLocks noGrp="1" noChangeAspect="1"/>
+          </p:cNvPicPr>
+          <p:nvPr>
+            <p:ph type="pic" sz="quarter" idx="10"/>
+          </p:nvPr>
+        </p:nvPicPr>
+        <p:blipFill rotWithShape="1">
+          <a:blip r:embed="rId2">
+            <a:alphaModFix amt="52000"/>
+            <a:extLst>
+              <a:ext uri="{BEBA8EAE-BF5A-486C-A8C5-ECC9F3942E4B}">
+                <a14:imgProps xmlns:a14="http://schemas.microsoft.com/office/drawing/2010/main">
+                  <a14:imgLayer r:embed="rId3">
+                    <a14:imgEffect>
+                      <a14:saturation sat="0"/>
+                    </a14:imgEffect>
+                  </a14:imgLayer>
+                </a14:imgProps>
+              </a:ext>
+            </a:extLst>
+          </a:blip>
+          <a:srcRect/>
+          <a:stretch/>
+        </p:blipFill>
+        <p:spPr/>
+      </p:pic>
+      <p:sp>
+        <p:nvSpPr>
+          <p:cNvPr id="16" name="Text Placeholder 3">
+            <a:extLst>
+              <a:ext uri="{FF2B5EF4-FFF2-40B4-BE49-F238E27FC236}">
+                <a16:creationId xmlns:a16="http://schemas.microsoft.com/office/drawing/2014/main" id="{99C95DF4-357B-4573-A5FD-B99A9F84F2ED}"/>
+              </a:ext>
+            </a:extLst>
+          </p:cNvPr>
+          <p:cNvSpPr txBox="1">
+            <a:spLocks/>
+          </p:cNvSpPr>
+          <p:nvPr/>
+        </p:nvSpPr>
+        <p:spPr>
+          <a:xfrm>
+            <a:off x="958789" y="3688734"/>
+            <a:ext cx="5628442" cy="510652"/>
+          </a:xfrm>
+          <a:prstGeom prst="rect">
+            <a:avLst/>
+          </a:prstGeom>
+        </p:spPr>
+        <p:txBody>
+          <a:bodyPr vert="horz" lIns="91440" tIns="45720" rIns="91440" bIns="45720" rtlCol="0">
+            <a:noAutofit/>
+          </a:bodyPr>
+          <a:lstStyle>
+            <a:lvl1pPr marL="0" indent="0" algn="ctr" defTabSz="914400" rtl="0" eaLnBrk="1" latinLnBrk="0" hangingPunct="1">
+              <a:lnSpc>
+                <a:spcPct val="150000"/>
+              </a:lnSpc>
+              <a:spcBef>
+                <a:spcPts val="1000"/>
+              </a:spcBef>
+              <a:buFont typeface="Arial" panose="020B0604020202020204" pitchFamily="34" charset="0"/>
+              <a:buNone/>
+              <a:defRPr sz="1800" kern="1200" spc="300">
+                <a:solidFill>
+                  <a:schemeClr val="tx1"/>
+                </a:solidFill>
+                <a:latin typeface="+mn-lt"/>
+                <a:ea typeface="+mn-ea"/>
+                <a:cs typeface="+mn-cs"/>
+              </a:defRPr>
+            </a:lvl1pPr>
+            <a:lvl2pPr marL="457200" indent="0" algn="l" defTabSz="914400" rtl="0" eaLnBrk="1" latinLnBrk="0" hangingPunct="1">
+              <a:lnSpc>
+                <a:spcPct val="150000"/>
+              </a:lnSpc>
+              <a:spcBef>
+                <a:spcPts val="500"/>
+              </a:spcBef>
+              <a:buFont typeface="Arial" panose="020B0604020202020204" pitchFamily="34" charset="0"/>
+              <a:buNone/>
+              <a:defRPr sz="1400" kern="1200">
+                <a:solidFill>
+                  <a:schemeClr val="tx1"/>
+                </a:solidFill>
+                <a:latin typeface="+mn-lt"/>
+                <a:ea typeface="+mn-ea"/>
+                <a:cs typeface="+mn-cs"/>
+              </a:defRPr>
+            </a:lvl2pPr>
+            <a:lvl3pPr marL="1143000" indent="-228600" algn="l" defTabSz="914400" rtl="0" eaLnBrk="1" latinLnBrk="0" hangingPunct="1">
+              <a:lnSpc>
+                <a:spcPct val="150000"/>
+              </a:lnSpc>
+              <a:spcBef>
+                <a:spcPts val="500"/>
+              </a:spcBef>
+              <a:buFont typeface="Arial" panose="020B0604020202020204" pitchFamily="34" charset="0"/>
+              <a:buChar char="•"/>
+              <a:defRPr sz="1400" kern="1200">
+                <a:solidFill>
+                  <a:schemeClr val="tx1"/>
+                </a:solidFill>
+                <a:latin typeface="+mn-lt"/>
+                <a:ea typeface="+mn-ea"/>
+                <a:cs typeface="+mn-cs"/>
+              </a:defRPr>
+            </a:lvl3pPr>
+            <a:lvl4pPr marL="1600200" indent="-228600" algn="l" defTabSz="914400" rtl="0" eaLnBrk="1" latinLnBrk="0" hangingPunct="1">
+              <a:lnSpc>
+                <a:spcPct val="150000"/>
+              </a:lnSpc>
+              <a:spcBef>
+                <a:spcPts val="500"/>
+              </a:spcBef>
+              <a:buFont typeface="Arial" panose="020B0604020202020204" pitchFamily="34" charset="0"/>
+              <a:buChar char="•"/>
+              <a:defRPr sz="1200" kern="1200">
+                <a:solidFill>
+                  <a:schemeClr val="tx1"/>
+                </a:solidFill>
+                <a:latin typeface="+mn-lt"/>
+                <a:ea typeface="+mn-ea"/>
+                <a:cs typeface="+mn-cs"/>
+              </a:defRPr>
+            </a:lvl4pPr>
+            <a:lvl5pPr marL="2057400" indent="-228600" algn="l" defTabSz="914400" rtl="0" eaLnBrk="1" latinLnBrk="0" hangingPunct="1">
+              <a:lnSpc>
+                <a:spcPct val="150000"/>
+              </a:lnSpc>
+              <a:spcBef>
+                <a:spcPts val="500"/>
+              </a:spcBef>
+              <a:buFont typeface="Arial" panose="020B0604020202020204" pitchFamily="34" charset="0"/>
+              <a:buChar char="•"/>
+              <a:defRPr sz="1200" kern="1200">
+                <a:solidFill>
+                  <a:schemeClr val="tx1"/>
+                </a:solidFill>
+                <a:latin typeface="+mn-lt"/>
+                <a:ea typeface="+mn-ea"/>
+                <a:cs typeface="+mn-cs"/>
+              </a:defRPr>
+            </a:lvl5pPr>
+            <a:lvl6pPr marL="2514600" indent="-228600" algn="l" defTabSz="914400" rtl="0" eaLnBrk="1" latinLnBrk="0" hangingPunct="1">
+              <a:lnSpc>
+                <a:spcPct val="90000"/>
+              </a:lnSpc>
+              <a:spcBef>
+                <a:spcPts val="500"/>
+              </a:spcBef>
+              <a:buFont typeface="Arial" panose="020B0604020202020204" pitchFamily="34" charset="0"/>
+              <a:buChar char="•"/>
+              <a:defRPr sz="1800" kern="1200">
+                <a:solidFill>
+                  <a:schemeClr val="tx1"/>
+                </a:solidFill>
+                <a:latin typeface="+mn-lt"/>
+                <a:ea typeface="+mn-ea"/>
+                <a:cs typeface="+mn-cs"/>
+              </a:defRPr>
+            </a:lvl6pPr>
+            <a:lvl7pPr marL="2971800" indent="-228600" algn="l" defTabSz="914400" rtl="0" eaLnBrk="1" latinLnBrk="0" hangingPunct="1">
+              <a:lnSpc>
+                <a:spcPct val="90000"/>
+              </a:lnSpc>
+              <a:spcBef>
+                <a:spcPts val="500"/>
+              </a:spcBef>
+              <a:buFont typeface="Arial" panose="020B0604020202020204" pitchFamily="34" charset="0"/>
+              <a:buChar char="•"/>
+              <a:defRPr sz="1800" kern="1200">
+                <a:solidFill>
+                  <a:schemeClr val="tx1"/>
+                </a:solidFill>
+                <a:latin typeface="+mn-lt"/>
+                <a:ea typeface="+mn-ea"/>
+                <a:cs typeface="+mn-cs"/>
+              </a:defRPr>
+            </a:lvl7pPr>
+            <a:lvl8pPr marL="3429000" indent="-228600" algn="l" defTabSz="914400" rtl="0" eaLnBrk="1" latinLnBrk="0" hangingPunct="1">
+              <a:lnSpc>
+                <a:spcPct val="90000"/>
+              </a:lnSpc>
+              <a:spcBef>
+                <a:spcPts val="500"/>
+              </a:spcBef>
+              <a:buFont typeface="Arial" panose="020B0604020202020204" pitchFamily="34" charset="0"/>
+              <a:buChar char="•"/>
+              <a:defRPr sz="1800" kern="1200">
+                <a:solidFill>
+                  <a:schemeClr val="tx1"/>
+                </a:solidFill>
+                <a:latin typeface="+mn-lt"/>
+                <a:ea typeface="+mn-ea"/>
+                <a:cs typeface="+mn-cs"/>
+              </a:defRPr>
+            </a:lvl8pPr>
+            <a:lvl9pPr marL="3886200" indent="-228600" algn="l" defTabSz="914400" rtl="0" eaLnBrk="1" latinLnBrk="0" hangingPunct="1">
+              <a:lnSpc>
+                <a:spcPct val="90000"/>
+              </a:lnSpc>
+              <a:spcBef>
+                <a:spcPts val="500"/>
+              </a:spcBef>
+              <a:buFont typeface="Arial" panose="020B0604020202020204" pitchFamily="34" charset="0"/>
+              <a:buChar char="•"/>
+              <a:defRPr sz="1800" kern="1200">
+                <a:solidFill>
+                  <a:schemeClr val="tx1"/>
+                </a:solidFill>
+                <a:latin typeface="+mn-lt"/>
+                <a:ea typeface="+mn-ea"/>
+                <a:cs typeface="+mn-cs"/>
+              </a:defRPr>
+            </a:lvl9pPr>
+          </a:lstStyle>
+          <a:p>
+            <a:endParaRPr lang="en-US" sz="1400" spc="0" dirty="0"/>
+          </a:p>
+        </p:txBody>
+      </p:sp>
+      <p:sp>
+        <p:nvSpPr>
+          <p:cNvPr id="19" name="TextBox 18">
+            <a:extLst>
+              <a:ext uri="{FF2B5EF4-FFF2-40B4-BE49-F238E27FC236}">
+                <a16:creationId xmlns:a16="http://schemas.microsoft.com/office/drawing/2014/main" id="{07F5C9D9-B3AB-4FF4-874C-8E69DC7F1771}"/>
+              </a:ext>
+            </a:extLst>
+          </p:cNvPr>
+          <p:cNvSpPr txBox="1"/>
+          <p:nvPr/>
+        </p:nvSpPr>
+        <p:spPr>
+          <a:xfrm>
+            <a:off x="571500" y="1082040"/>
+            <a:ext cx="11117580" cy="4953000"/>
+          </a:xfrm>
+          <a:prstGeom prst="rect">
+            <a:avLst/>
+          </a:prstGeom>
+          <a:noFill/>
+        </p:spPr>
+        <p:txBody>
+          <a:bodyPr wrap="square" rtlCol="0">
+            <a:spAutoFit/>
+          </a:bodyPr>
+          <a:lstStyle/>
+          <a:p>
+            <a:endParaRPr lang="en-US" dirty="0"/>
+          </a:p>
+        </p:txBody>
+      </p:sp>
+      <p:sp>
+        <p:nvSpPr>
+          <p:cNvPr id="9" name="TextBox 8">
+            <a:extLst>
+              <a:ext uri="{FF2B5EF4-FFF2-40B4-BE49-F238E27FC236}">
+                <a16:creationId xmlns:a16="http://schemas.microsoft.com/office/drawing/2014/main" id="{00A91E5E-3DD0-428C-8160-A69FCC8BEF16}"/>
+              </a:ext>
+            </a:extLst>
+          </p:cNvPr>
+          <p:cNvSpPr txBox="1"/>
+          <p:nvPr/>
+        </p:nvSpPr>
+        <p:spPr>
+          <a:xfrm>
+            <a:off x="1416654" y="1356360"/>
+            <a:ext cx="3019032" cy="707886"/>
+          </a:xfrm>
+          <a:prstGeom prst="rect">
+            <a:avLst/>
+          </a:prstGeom>
+          <a:noFill/>
+        </p:spPr>
+        <p:txBody>
+          <a:bodyPr wrap="none" rtlCol="0">
+            <a:spAutoFit/>
+          </a:bodyPr>
+          <a:lstStyle/>
+          <a:p>
+            <a:r>
+              <a:rPr lang="en-US" sz="4000" u="sng" dirty="0"/>
+              <a:t>Results - SVM</a:t>
+            </a:r>
+          </a:p>
+        </p:txBody>
+      </p:sp>
+      <p:pic>
+        <p:nvPicPr>
+          <p:cNvPr id="3" name="Picture 2">
+            <a:extLst>
+              <a:ext uri="{FF2B5EF4-FFF2-40B4-BE49-F238E27FC236}">
+                <a16:creationId xmlns:a16="http://schemas.microsoft.com/office/drawing/2014/main" id="{57941823-D741-4361-924A-E2F19EF20136}"/>
+              </a:ext>
+            </a:extLst>
+          </p:cNvPr>
+          <p:cNvPicPr>
+            <a:picLocks noChangeAspect="1"/>
+          </p:cNvPicPr>
+          <p:nvPr/>
+        </p:nvPicPr>
+        <p:blipFill>
+          <a:blip r:embed="rId4"/>
+          <a:stretch>
+            <a:fillRect/>
+          </a:stretch>
+        </p:blipFill>
+        <p:spPr>
+          <a:xfrm>
+            <a:off x="1416654" y="2223135"/>
+            <a:ext cx="4505325" cy="4362450"/>
+          </a:xfrm>
+          <a:prstGeom prst="rect">
+            <a:avLst/>
+          </a:prstGeom>
+        </p:spPr>
+      </p:pic>
+    </p:spTree>
+    <p:extLst>
+      <p:ext uri="{BB962C8B-B14F-4D97-AF65-F5344CB8AC3E}">
+        <p14:creationId xmlns:p14="http://schemas.microsoft.com/office/powerpoint/2010/main" val="750987850"/>
+      </p:ext>
+    </p:extLst>
+  </p:cSld>
+  <p:clrMapOvr>
+    <a:masterClrMapping/>
+  </p:clrMapOvr>
+</p:sld>
+</file>
+
+<file path=ppt/slides/slide14.xml><?xml version="1.0" encoding="utf-8"?>
+<p:sld xmlns:a="http://schemas.openxmlformats.org/drawingml/2006/main" xmlns:r="http://schemas.openxmlformats.org/officeDocument/2006/relationships" xmlns:p="http://schemas.openxmlformats.org/presentationml/2006/main">
+  <p:cSld>
+    <p:spTree>
+      <p:nvGrpSpPr>
+        <p:cNvPr id="1" name=""/>
+        <p:cNvGrpSpPr/>
+        <p:nvPr/>
+      </p:nvGrpSpPr>
+      <p:grpSpPr>
+        <a:xfrm>
+          <a:off x="0" y="0"/>
+          <a:ext cx="0" cy="0"/>
+          <a:chOff x="0" y="0"/>
+          <a:chExt cx="0" cy="0"/>
+        </a:xfrm>
+      </p:grpSpPr>
+      <p:pic>
+        <p:nvPicPr>
+          <p:cNvPr id="8" name="Picture Placeholder 7" descr="abstract image">
+            <a:extLst>
+              <a:ext uri="{FF2B5EF4-FFF2-40B4-BE49-F238E27FC236}">
+                <a16:creationId xmlns:a16="http://schemas.microsoft.com/office/drawing/2014/main" id="{9AB29DBC-55D3-49D9-BB44-4936739C4B57}"/>
+              </a:ext>
+            </a:extLst>
+          </p:cNvPr>
+          <p:cNvPicPr>
+            <a:picLocks noGrp="1" noChangeAspect="1"/>
+          </p:cNvPicPr>
+          <p:nvPr>
+            <p:ph type="pic" sz="quarter" idx="10"/>
+          </p:nvPr>
+        </p:nvPicPr>
+        <p:blipFill rotWithShape="1">
+          <a:blip r:embed="rId2">
+            <a:alphaModFix amt="52000"/>
+            <a:extLst>
+              <a:ext uri="{BEBA8EAE-BF5A-486C-A8C5-ECC9F3942E4B}">
+                <a14:imgProps xmlns:a14="http://schemas.microsoft.com/office/drawing/2010/main">
+                  <a14:imgLayer r:embed="rId3">
+                    <a14:imgEffect>
+                      <a14:saturation sat="0"/>
+                    </a14:imgEffect>
+                  </a14:imgLayer>
+                </a14:imgProps>
+              </a:ext>
+            </a:extLst>
+          </a:blip>
+          <a:srcRect/>
+          <a:stretch/>
+        </p:blipFill>
+        <p:spPr/>
+      </p:pic>
+      <p:sp>
+        <p:nvSpPr>
+          <p:cNvPr id="16" name="Text Placeholder 3">
+            <a:extLst>
+              <a:ext uri="{FF2B5EF4-FFF2-40B4-BE49-F238E27FC236}">
+                <a16:creationId xmlns:a16="http://schemas.microsoft.com/office/drawing/2014/main" id="{99C95DF4-357B-4573-A5FD-B99A9F84F2ED}"/>
+              </a:ext>
+            </a:extLst>
+          </p:cNvPr>
+          <p:cNvSpPr txBox="1">
+            <a:spLocks/>
+          </p:cNvSpPr>
+          <p:nvPr/>
+        </p:nvSpPr>
+        <p:spPr>
+          <a:xfrm>
+            <a:off x="958789" y="3688734"/>
+            <a:ext cx="5628442" cy="510652"/>
+          </a:xfrm>
+          <a:prstGeom prst="rect">
+            <a:avLst/>
+          </a:prstGeom>
+        </p:spPr>
+        <p:txBody>
+          <a:bodyPr vert="horz" lIns="91440" tIns="45720" rIns="91440" bIns="45720" rtlCol="0">
+            <a:noAutofit/>
+          </a:bodyPr>
+          <a:lstStyle>
+            <a:lvl1pPr marL="0" indent="0" algn="ctr" defTabSz="914400" rtl="0" eaLnBrk="1" latinLnBrk="0" hangingPunct="1">
+              <a:lnSpc>
+                <a:spcPct val="150000"/>
+              </a:lnSpc>
+              <a:spcBef>
+                <a:spcPts val="1000"/>
+              </a:spcBef>
+              <a:buFont typeface="Arial" panose="020B0604020202020204" pitchFamily="34" charset="0"/>
+              <a:buNone/>
+              <a:defRPr sz="1800" kern="1200" spc="300">
+                <a:solidFill>
+                  <a:schemeClr val="tx1"/>
+                </a:solidFill>
+                <a:latin typeface="+mn-lt"/>
+                <a:ea typeface="+mn-ea"/>
+                <a:cs typeface="+mn-cs"/>
+              </a:defRPr>
+            </a:lvl1pPr>
+            <a:lvl2pPr marL="457200" indent="0" algn="l" defTabSz="914400" rtl="0" eaLnBrk="1" latinLnBrk="0" hangingPunct="1">
+              <a:lnSpc>
+                <a:spcPct val="150000"/>
+              </a:lnSpc>
+              <a:spcBef>
+                <a:spcPts val="500"/>
+              </a:spcBef>
+              <a:buFont typeface="Arial" panose="020B0604020202020204" pitchFamily="34" charset="0"/>
+              <a:buNone/>
+              <a:defRPr sz="1400" kern="1200">
+                <a:solidFill>
+                  <a:schemeClr val="tx1"/>
+                </a:solidFill>
+                <a:latin typeface="+mn-lt"/>
+                <a:ea typeface="+mn-ea"/>
+                <a:cs typeface="+mn-cs"/>
+              </a:defRPr>
+            </a:lvl2pPr>
+            <a:lvl3pPr marL="1143000" indent="-228600" algn="l" defTabSz="914400" rtl="0" eaLnBrk="1" latinLnBrk="0" hangingPunct="1">
+              <a:lnSpc>
+                <a:spcPct val="150000"/>
+              </a:lnSpc>
+              <a:spcBef>
+                <a:spcPts val="500"/>
+              </a:spcBef>
+              <a:buFont typeface="Arial" panose="020B0604020202020204" pitchFamily="34" charset="0"/>
+              <a:buChar char="•"/>
+              <a:defRPr sz="1400" kern="1200">
+                <a:solidFill>
+                  <a:schemeClr val="tx1"/>
+                </a:solidFill>
+                <a:latin typeface="+mn-lt"/>
+                <a:ea typeface="+mn-ea"/>
+                <a:cs typeface="+mn-cs"/>
+              </a:defRPr>
+            </a:lvl3pPr>
+            <a:lvl4pPr marL="1600200" indent="-228600" algn="l" defTabSz="914400" rtl="0" eaLnBrk="1" latinLnBrk="0" hangingPunct="1">
+              <a:lnSpc>
+                <a:spcPct val="150000"/>
+              </a:lnSpc>
+              <a:spcBef>
+                <a:spcPts val="500"/>
+              </a:spcBef>
+              <a:buFont typeface="Arial" panose="020B0604020202020204" pitchFamily="34" charset="0"/>
+              <a:buChar char="•"/>
+              <a:defRPr sz="1200" kern="1200">
+                <a:solidFill>
+                  <a:schemeClr val="tx1"/>
+                </a:solidFill>
+                <a:latin typeface="+mn-lt"/>
+                <a:ea typeface="+mn-ea"/>
+                <a:cs typeface="+mn-cs"/>
+              </a:defRPr>
+            </a:lvl4pPr>
+            <a:lvl5pPr marL="2057400" indent="-228600" algn="l" defTabSz="914400" rtl="0" eaLnBrk="1" latinLnBrk="0" hangingPunct="1">
+              <a:lnSpc>
+                <a:spcPct val="150000"/>
+              </a:lnSpc>
+              <a:spcBef>
+                <a:spcPts val="500"/>
+              </a:spcBef>
+              <a:buFont typeface="Arial" panose="020B0604020202020204" pitchFamily="34" charset="0"/>
+              <a:buChar char="•"/>
+              <a:defRPr sz="1200" kern="1200">
+                <a:solidFill>
+                  <a:schemeClr val="tx1"/>
+                </a:solidFill>
+                <a:latin typeface="+mn-lt"/>
+                <a:ea typeface="+mn-ea"/>
+                <a:cs typeface="+mn-cs"/>
+              </a:defRPr>
+            </a:lvl5pPr>
+            <a:lvl6pPr marL="2514600" indent="-228600" algn="l" defTabSz="914400" rtl="0" eaLnBrk="1" latinLnBrk="0" hangingPunct="1">
+              <a:lnSpc>
+                <a:spcPct val="90000"/>
+              </a:lnSpc>
+              <a:spcBef>
+                <a:spcPts val="500"/>
+              </a:spcBef>
+              <a:buFont typeface="Arial" panose="020B0604020202020204" pitchFamily="34" charset="0"/>
+              <a:buChar char="•"/>
+              <a:defRPr sz="1800" kern="1200">
+                <a:solidFill>
+                  <a:schemeClr val="tx1"/>
+                </a:solidFill>
+                <a:latin typeface="+mn-lt"/>
+                <a:ea typeface="+mn-ea"/>
+                <a:cs typeface="+mn-cs"/>
+              </a:defRPr>
+            </a:lvl6pPr>
+            <a:lvl7pPr marL="2971800" indent="-228600" algn="l" defTabSz="914400" rtl="0" eaLnBrk="1" latinLnBrk="0" hangingPunct="1">
+              <a:lnSpc>
+                <a:spcPct val="90000"/>
+              </a:lnSpc>
+              <a:spcBef>
+                <a:spcPts val="500"/>
+              </a:spcBef>
+              <a:buFont typeface="Arial" panose="020B0604020202020204" pitchFamily="34" charset="0"/>
+              <a:buChar char="•"/>
+              <a:defRPr sz="1800" kern="1200">
+                <a:solidFill>
+                  <a:schemeClr val="tx1"/>
+                </a:solidFill>
+                <a:latin typeface="+mn-lt"/>
+                <a:ea typeface="+mn-ea"/>
+                <a:cs typeface="+mn-cs"/>
+              </a:defRPr>
+            </a:lvl7pPr>
+            <a:lvl8pPr marL="3429000" indent="-228600" algn="l" defTabSz="914400" rtl="0" eaLnBrk="1" latinLnBrk="0" hangingPunct="1">
+              <a:lnSpc>
+                <a:spcPct val="90000"/>
+              </a:lnSpc>
+              <a:spcBef>
+                <a:spcPts val="500"/>
+              </a:spcBef>
+              <a:buFont typeface="Arial" panose="020B0604020202020204" pitchFamily="34" charset="0"/>
+              <a:buChar char="•"/>
+              <a:defRPr sz="1800" kern="1200">
+                <a:solidFill>
+                  <a:schemeClr val="tx1"/>
+                </a:solidFill>
+                <a:latin typeface="+mn-lt"/>
+                <a:ea typeface="+mn-ea"/>
+                <a:cs typeface="+mn-cs"/>
+              </a:defRPr>
+            </a:lvl8pPr>
+            <a:lvl9pPr marL="3886200" indent="-228600" algn="l" defTabSz="914400" rtl="0" eaLnBrk="1" latinLnBrk="0" hangingPunct="1">
+              <a:lnSpc>
+                <a:spcPct val="90000"/>
+              </a:lnSpc>
+              <a:spcBef>
+                <a:spcPts val="500"/>
+              </a:spcBef>
+              <a:buFont typeface="Arial" panose="020B0604020202020204" pitchFamily="34" charset="0"/>
+              <a:buChar char="•"/>
+              <a:defRPr sz="1800" kern="1200">
+                <a:solidFill>
+                  <a:schemeClr val="tx1"/>
+                </a:solidFill>
+                <a:latin typeface="+mn-lt"/>
+                <a:ea typeface="+mn-ea"/>
+                <a:cs typeface="+mn-cs"/>
+              </a:defRPr>
+            </a:lvl9pPr>
+          </a:lstStyle>
+          <a:p>
+            <a:endParaRPr lang="en-US" sz="1400" spc="0" dirty="0"/>
+          </a:p>
+        </p:txBody>
+      </p:sp>
+      <p:sp>
+        <p:nvSpPr>
+          <p:cNvPr id="19" name="TextBox 18">
+            <a:extLst>
+              <a:ext uri="{FF2B5EF4-FFF2-40B4-BE49-F238E27FC236}">
+                <a16:creationId xmlns:a16="http://schemas.microsoft.com/office/drawing/2014/main" id="{07F5C9D9-B3AB-4FF4-874C-8E69DC7F1771}"/>
+              </a:ext>
+            </a:extLst>
+          </p:cNvPr>
+          <p:cNvSpPr txBox="1"/>
+          <p:nvPr/>
+        </p:nvSpPr>
+        <p:spPr>
+          <a:xfrm>
+            <a:off x="571500" y="1082040"/>
+            <a:ext cx="11117580" cy="4953000"/>
+          </a:xfrm>
+          <a:prstGeom prst="rect">
+            <a:avLst/>
+          </a:prstGeom>
+          <a:noFill/>
+        </p:spPr>
+        <p:txBody>
+          <a:bodyPr wrap="square" rtlCol="0">
+            <a:spAutoFit/>
+          </a:bodyPr>
+          <a:lstStyle/>
+          <a:p>
+            <a:endParaRPr lang="en-US" dirty="0"/>
+          </a:p>
+        </p:txBody>
+      </p:sp>
+      <p:sp>
+        <p:nvSpPr>
+          <p:cNvPr id="9" name="TextBox 8">
+            <a:extLst>
+              <a:ext uri="{FF2B5EF4-FFF2-40B4-BE49-F238E27FC236}">
+                <a16:creationId xmlns:a16="http://schemas.microsoft.com/office/drawing/2014/main" id="{00A91E5E-3DD0-428C-8160-A69FCC8BEF16}"/>
+              </a:ext>
+            </a:extLst>
+          </p:cNvPr>
+          <p:cNvSpPr txBox="1"/>
+          <p:nvPr/>
+        </p:nvSpPr>
+        <p:spPr>
+          <a:xfrm>
+            <a:off x="1416654" y="1356360"/>
+            <a:ext cx="2985689" cy="707886"/>
+          </a:xfrm>
+          <a:prstGeom prst="rect">
+            <a:avLst/>
+          </a:prstGeom>
+          <a:noFill/>
+        </p:spPr>
+        <p:txBody>
+          <a:bodyPr wrap="none" rtlCol="0">
+            <a:spAutoFit/>
+          </a:bodyPr>
+          <a:lstStyle/>
+          <a:p>
+            <a:r>
+              <a:rPr lang="en-US" sz="4000" u="sng" dirty="0"/>
+              <a:t>Results - KNN</a:t>
+            </a:r>
+          </a:p>
+        </p:txBody>
+      </p:sp>
+      <p:pic>
+        <p:nvPicPr>
+          <p:cNvPr id="3" name="Picture 2">
+            <a:extLst>
+              <a:ext uri="{FF2B5EF4-FFF2-40B4-BE49-F238E27FC236}">
+                <a16:creationId xmlns:a16="http://schemas.microsoft.com/office/drawing/2014/main" id="{69A0BC7E-8778-47E2-BD13-89A3A9C04E31}"/>
+              </a:ext>
+            </a:extLst>
+          </p:cNvPr>
+          <p:cNvPicPr>
+            <a:picLocks noChangeAspect="1"/>
+          </p:cNvPicPr>
+          <p:nvPr/>
+        </p:nvPicPr>
+        <p:blipFill>
+          <a:blip r:embed="rId4"/>
+          <a:stretch>
+            <a:fillRect/>
+          </a:stretch>
+        </p:blipFill>
+        <p:spPr>
+          <a:xfrm>
+            <a:off x="1416654" y="2338566"/>
+            <a:ext cx="4384706" cy="4081149"/>
+          </a:xfrm>
+          <a:prstGeom prst="rect">
+            <a:avLst/>
+          </a:prstGeom>
+        </p:spPr>
+      </p:pic>
+    </p:spTree>
+    <p:extLst>
+      <p:ext uri="{BB962C8B-B14F-4D97-AF65-F5344CB8AC3E}">
+        <p14:creationId xmlns:p14="http://schemas.microsoft.com/office/powerpoint/2010/main" val="298184809"/>
+      </p:ext>
+    </p:extLst>
+  </p:cSld>
+  <p:clrMapOvr>
+    <a:masterClrMapping/>
+  </p:clrMapOvr>
+</p:sld>
+</file>
+
+<file path=ppt/slides/slide15.xml><?xml version="1.0" encoding="utf-8"?>
+<p:sld xmlns:a="http://schemas.openxmlformats.org/drawingml/2006/main" xmlns:r="http://schemas.openxmlformats.org/officeDocument/2006/relationships" xmlns:p="http://schemas.openxmlformats.org/presentationml/2006/main">
+  <p:cSld>
+    <p:spTree>
+      <p:nvGrpSpPr>
+        <p:cNvPr id="1" name=""/>
+        <p:cNvGrpSpPr/>
+        <p:nvPr/>
+      </p:nvGrpSpPr>
+      <p:grpSpPr>
+        <a:xfrm>
+          <a:off x="0" y="0"/>
+          <a:ext cx="0" cy="0"/>
+          <a:chOff x="0" y="0"/>
+          <a:chExt cx="0" cy="0"/>
+        </a:xfrm>
+      </p:grpSpPr>
+      <p:pic>
+        <p:nvPicPr>
+          <p:cNvPr id="8" name="Picture Placeholder 7" descr="abstract image">
+            <a:extLst>
+              <a:ext uri="{FF2B5EF4-FFF2-40B4-BE49-F238E27FC236}">
+                <a16:creationId xmlns:a16="http://schemas.microsoft.com/office/drawing/2014/main" id="{9AB29DBC-55D3-49D9-BB44-4936739C4B57}"/>
+              </a:ext>
+            </a:extLst>
+          </p:cNvPr>
+          <p:cNvPicPr>
+            <a:picLocks noGrp="1" noChangeAspect="1"/>
+          </p:cNvPicPr>
+          <p:nvPr>
+            <p:ph type="pic" sz="quarter" idx="10"/>
+          </p:nvPr>
+        </p:nvPicPr>
+        <p:blipFill rotWithShape="1">
+          <a:blip r:embed="rId2">
+            <a:alphaModFix amt="52000"/>
+            <a:extLst>
+              <a:ext uri="{BEBA8EAE-BF5A-486C-A8C5-ECC9F3942E4B}">
+                <a14:imgProps xmlns:a14="http://schemas.microsoft.com/office/drawing/2010/main">
+                  <a14:imgLayer r:embed="rId3">
+                    <a14:imgEffect>
+                      <a14:saturation sat="0"/>
+                    </a14:imgEffect>
+                  </a14:imgLayer>
+                </a14:imgProps>
+              </a:ext>
+            </a:extLst>
+          </a:blip>
+          <a:srcRect/>
+          <a:stretch/>
+        </p:blipFill>
+        <p:spPr/>
+      </p:pic>
+      <p:sp>
+        <p:nvSpPr>
+          <p:cNvPr id="16" name="Text Placeholder 3">
+            <a:extLst>
+              <a:ext uri="{FF2B5EF4-FFF2-40B4-BE49-F238E27FC236}">
+                <a16:creationId xmlns:a16="http://schemas.microsoft.com/office/drawing/2014/main" id="{99C95DF4-357B-4573-A5FD-B99A9F84F2ED}"/>
+              </a:ext>
+            </a:extLst>
+          </p:cNvPr>
+          <p:cNvSpPr txBox="1">
+            <a:spLocks/>
+          </p:cNvSpPr>
+          <p:nvPr/>
+        </p:nvSpPr>
+        <p:spPr>
+          <a:xfrm>
+            <a:off x="958789" y="3688734"/>
+            <a:ext cx="5628442" cy="510652"/>
+          </a:xfrm>
+          <a:prstGeom prst="rect">
+            <a:avLst/>
+          </a:prstGeom>
+        </p:spPr>
+        <p:txBody>
+          <a:bodyPr vert="horz" lIns="91440" tIns="45720" rIns="91440" bIns="45720" rtlCol="0">
+            <a:noAutofit/>
+          </a:bodyPr>
+          <a:lstStyle>
+            <a:lvl1pPr marL="0" indent="0" algn="ctr" defTabSz="914400" rtl="0" eaLnBrk="1" latinLnBrk="0" hangingPunct="1">
+              <a:lnSpc>
+                <a:spcPct val="150000"/>
+              </a:lnSpc>
+              <a:spcBef>
+                <a:spcPts val="1000"/>
+              </a:spcBef>
+              <a:buFont typeface="Arial" panose="020B0604020202020204" pitchFamily="34" charset="0"/>
+              <a:buNone/>
+              <a:defRPr sz="1800" kern="1200" spc="300">
+                <a:solidFill>
+                  <a:schemeClr val="tx1"/>
+                </a:solidFill>
+                <a:latin typeface="+mn-lt"/>
+                <a:ea typeface="+mn-ea"/>
+                <a:cs typeface="+mn-cs"/>
+              </a:defRPr>
+            </a:lvl1pPr>
+            <a:lvl2pPr marL="457200" indent="0" algn="l" defTabSz="914400" rtl="0" eaLnBrk="1" latinLnBrk="0" hangingPunct="1">
+              <a:lnSpc>
+                <a:spcPct val="150000"/>
+              </a:lnSpc>
+              <a:spcBef>
+                <a:spcPts val="500"/>
+              </a:spcBef>
+              <a:buFont typeface="Arial" panose="020B0604020202020204" pitchFamily="34" charset="0"/>
+              <a:buNone/>
+              <a:defRPr sz="1400" kern="1200">
+                <a:solidFill>
+                  <a:schemeClr val="tx1"/>
+                </a:solidFill>
+                <a:latin typeface="+mn-lt"/>
+                <a:ea typeface="+mn-ea"/>
+                <a:cs typeface="+mn-cs"/>
+              </a:defRPr>
+            </a:lvl2pPr>
+            <a:lvl3pPr marL="1143000" indent="-228600" algn="l" defTabSz="914400" rtl="0" eaLnBrk="1" latinLnBrk="0" hangingPunct="1">
+              <a:lnSpc>
+                <a:spcPct val="150000"/>
+              </a:lnSpc>
+              <a:spcBef>
+                <a:spcPts val="500"/>
+              </a:spcBef>
+              <a:buFont typeface="Arial" panose="020B0604020202020204" pitchFamily="34" charset="0"/>
+              <a:buChar char="•"/>
+              <a:defRPr sz="1400" kern="1200">
+                <a:solidFill>
+                  <a:schemeClr val="tx1"/>
+                </a:solidFill>
+                <a:latin typeface="+mn-lt"/>
+                <a:ea typeface="+mn-ea"/>
+                <a:cs typeface="+mn-cs"/>
+              </a:defRPr>
+            </a:lvl3pPr>
+            <a:lvl4pPr marL="1600200" indent="-228600" algn="l" defTabSz="914400" rtl="0" eaLnBrk="1" latinLnBrk="0" hangingPunct="1">
+              <a:lnSpc>
+                <a:spcPct val="150000"/>
+              </a:lnSpc>
+              <a:spcBef>
+                <a:spcPts val="500"/>
+              </a:spcBef>
+              <a:buFont typeface="Arial" panose="020B0604020202020204" pitchFamily="34" charset="0"/>
+              <a:buChar char="•"/>
+              <a:defRPr sz="1200" kern="1200">
+                <a:solidFill>
+                  <a:schemeClr val="tx1"/>
+                </a:solidFill>
+                <a:latin typeface="+mn-lt"/>
+                <a:ea typeface="+mn-ea"/>
+                <a:cs typeface="+mn-cs"/>
+              </a:defRPr>
+            </a:lvl4pPr>
+            <a:lvl5pPr marL="2057400" indent="-228600" algn="l" defTabSz="914400" rtl="0" eaLnBrk="1" latinLnBrk="0" hangingPunct="1">
+              <a:lnSpc>
+                <a:spcPct val="150000"/>
+              </a:lnSpc>
+              <a:spcBef>
+                <a:spcPts val="500"/>
+              </a:spcBef>
+              <a:buFont typeface="Arial" panose="020B0604020202020204" pitchFamily="34" charset="0"/>
+              <a:buChar char="•"/>
+              <a:defRPr sz="1200" kern="1200">
+                <a:solidFill>
+                  <a:schemeClr val="tx1"/>
+                </a:solidFill>
+                <a:latin typeface="+mn-lt"/>
+                <a:ea typeface="+mn-ea"/>
+                <a:cs typeface="+mn-cs"/>
+              </a:defRPr>
+            </a:lvl5pPr>
+            <a:lvl6pPr marL="2514600" indent="-228600" algn="l" defTabSz="914400" rtl="0" eaLnBrk="1" latinLnBrk="0" hangingPunct="1">
+              <a:lnSpc>
+                <a:spcPct val="90000"/>
+              </a:lnSpc>
+              <a:spcBef>
+                <a:spcPts val="500"/>
+              </a:spcBef>
+              <a:buFont typeface="Arial" panose="020B0604020202020204" pitchFamily="34" charset="0"/>
+              <a:buChar char="•"/>
+              <a:defRPr sz="1800" kern="1200">
+                <a:solidFill>
+                  <a:schemeClr val="tx1"/>
+                </a:solidFill>
+                <a:latin typeface="+mn-lt"/>
+                <a:ea typeface="+mn-ea"/>
+                <a:cs typeface="+mn-cs"/>
+              </a:defRPr>
+            </a:lvl6pPr>
+            <a:lvl7pPr marL="2971800" indent="-228600" algn="l" defTabSz="914400" rtl="0" eaLnBrk="1" latinLnBrk="0" hangingPunct="1">
+              <a:lnSpc>
+                <a:spcPct val="90000"/>
+              </a:lnSpc>
+              <a:spcBef>
+                <a:spcPts val="500"/>
+              </a:spcBef>
+              <a:buFont typeface="Arial" panose="020B0604020202020204" pitchFamily="34" charset="0"/>
+              <a:buChar char="•"/>
+              <a:defRPr sz="1800" kern="1200">
+                <a:solidFill>
+                  <a:schemeClr val="tx1"/>
+                </a:solidFill>
+                <a:latin typeface="+mn-lt"/>
+                <a:ea typeface="+mn-ea"/>
+                <a:cs typeface="+mn-cs"/>
+              </a:defRPr>
+            </a:lvl7pPr>
+            <a:lvl8pPr marL="3429000" indent="-228600" algn="l" defTabSz="914400" rtl="0" eaLnBrk="1" latinLnBrk="0" hangingPunct="1">
+              <a:lnSpc>
+                <a:spcPct val="90000"/>
+              </a:lnSpc>
+              <a:spcBef>
+                <a:spcPts val="500"/>
+              </a:spcBef>
+              <a:buFont typeface="Arial" panose="020B0604020202020204" pitchFamily="34" charset="0"/>
+              <a:buChar char="•"/>
+              <a:defRPr sz="1800" kern="1200">
+                <a:solidFill>
+                  <a:schemeClr val="tx1"/>
+                </a:solidFill>
+                <a:latin typeface="+mn-lt"/>
+                <a:ea typeface="+mn-ea"/>
+                <a:cs typeface="+mn-cs"/>
+              </a:defRPr>
+            </a:lvl8pPr>
+            <a:lvl9pPr marL="3886200" indent="-228600" algn="l" defTabSz="914400" rtl="0" eaLnBrk="1" latinLnBrk="0" hangingPunct="1">
+              <a:lnSpc>
+                <a:spcPct val="90000"/>
+              </a:lnSpc>
+              <a:spcBef>
+                <a:spcPts val="500"/>
+              </a:spcBef>
+              <a:buFont typeface="Arial" panose="020B0604020202020204" pitchFamily="34" charset="0"/>
+              <a:buChar char="•"/>
+              <a:defRPr sz="1800" kern="1200">
+                <a:solidFill>
+                  <a:schemeClr val="tx1"/>
+                </a:solidFill>
+                <a:latin typeface="+mn-lt"/>
+                <a:ea typeface="+mn-ea"/>
+                <a:cs typeface="+mn-cs"/>
+              </a:defRPr>
+            </a:lvl9pPr>
+          </a:lstStyle>
+          <a:p>
+            <a:endParaRPr lang="en-US" sz="1400" spc="0" dirty="0"/>
+          </a:p>
+        </p:txBody>
+      </p:sp>
+      <p:sp>
+        <p:nvSpPr>
+          <p:cNvPr id="19" name="TextBox 18">
+            <a:extLst>
+              <a:ext uri="{FF2B5EF4-FFF2-40B4-BE49-F238E27FC236}">
+                <a16:creationId xmlns:a16="http://schemas.microsoft.com/office/drawing/2014/main" id="{07F5C9D9-B3AB-4FF4-874C-8E69DC7F1771}"/>
+              </a:ext>
+            </a:extLst>
+          </p:cNvPr>
+          <p:cNvSpPr txBox="1"/>
+          <p:nvPr/>
+        </p:nvSpPr>
+        <p:spPr>
+          <a:xfrm>
+            <a:off x="571500" y="1082040"/>
+            <a:ext cx="11117580" cy="4953000"/>
+          </a:xfrm>
+          <a:prstGeom prst="rect">
+            <a:avLst/>
+          </a:prstGeom>
+          <a:noFill/>
+        </p:spPr>
+        <p:txBody>
+          <a:bodyPr wrap="square" rtlCol="0">
+            <a:spAutoFit/>
+          </a:bodyPr>
+          <a:lstStyle/>
+          <a:p>
+            <a:endParaRPr lang="en-US" dirty="0"/>
+          </a:p>
+        </p:txBody>
+      </p:sp>
+      <p:sp>
+        <p:nvSpPr>
+          <p:cNvPr id="9" name="TextBox 8">
+            <a:extLst>
+              <a:ext uri="{FF2B5EF4-FFF2-40B4-BE49-F238E27FC236}">
+                <a16:creationId xmlns:a16="http://schemas.microsoft.com/office/drawing/2014/main" id="{00A91E5E-3DD0-428C-8160-A69FCC8BEF16}"/>
+              </a:ext>
+            </a:extLst>
+          </p:cNvPr>
+          <p:cNvSpPr txBox="1"/>
+          <p:nvPr/>
+        </p:nvSpPr>
+        <p:spPr>
+          <a:xfrm>
+            <a:off x="1416654" y="1356360"/>
+            <a:ext cx="4643194" cy="707886"/>
+          </a:xfrm>
+          <a:prstGeom prst="rect">
+            <a:avLst/>
+          </a:prstGeom>
+          <a:noFill/>
+        </p:spPr>
+        <p:txBody>
+          <a:bodyPr wrap="none" rtlCol="0">
+            <a:spAutoFit/>
+          </a:bodyPr>
+          <a:lstStyle/>
+          <a:p>
+            <a:r>
+              <a:rPr lang="en-US" sz="4000" u="sng" dirty="0"/>
+              <a:t>Results – Naïve </a:t>
+            </a:r>
+            <a:r>
+              <a:rPr lang="en-US" sz="4000" u="sng" dirty="0" err="1"/>
+              <a:t>Bayse</a:t>
+            </a:r>
+            <a:endParaRPr lang="en-US" sz="4000" u="sng" dirty="0"/>
+          </a:p>
+        </p:txBody>
+      </p:sp>
+      <p:pic>
+        <p:nvPicPr>
+          <p:cNvPr id="3" name="Picture 2">
+            <a:extLst>
+              <a:ext uri="{FF2B5EF4-FFF2-40B4-BE49-F238E27FC236}">
+                <a16:creationId xmlns:a16="http://schemas.microsoft.com/office/drawing/2014/main" id="{62AD31D1-0EA1-4222-99D0-1F8BEC2FBF9F}"/>
+              </a:ext>
+            </a:extLst>
+          </p:cNvPr>
+          <p:cNvPicPr>
+            <a:picLocks noChangeAspect="1"/>
+          </p:cNvPicPr>
+          <p:nvPr/>
+        </p:nvPicPr>
+        <p:blipFill>
+          <a:blip r:embed="rId4"/>
+          <a:stretch>
+            <a:fillRect/>
+          </a:stretch>
+        </p:blipFill>
+        <p:spPr>
+          <a:xfrm>
+            <a:off x="1456893" y="2173658"/>
+            <a:ext cx="4639107" cy="4272862"/>
+          </a:xfrm>
+          <a:prstGeom prst="rect">
+            <a:avLst/>
+          </a:prstGeom>
+        </p:spPr>
+      </p:pic>
+    </p:spTree>
+    <p:extLst>
+      <p:ext uri="{BB962C8B-B14F-4D97-AF65-F5344CB8AC3E}">
+        <p14:creationId xmlns:p14="http://schemas.microsoft.com/office/powerpoint/2010/main" val="884501388"/>
+      </p:ext>
+    </p:extLst>
+  </p:cSld>
+  <p:clrMapOvr>
+    <a:masterClrMapping/>
+  </p:clrMapOvr>
+</p:sld>
+</file>
+
+<file path=ppt/slides/slide16.xml><?xml version="1.0" encoding="utf-8"?>
+<p:sld xmlns:a="http://schemas.openxmlformats.org/drawingml/2006/main" xmlns:r="http://schemas.openxmlformats.org/officeDocument/2006/relationships" xmlns:p="http://schemas.openxmlformats.org/presentationml/2006/main">
+  <p:cSld>
+    <p:spTree>
+      <p:nvGrpSpPr>
+        <p:cNvPr id="1" name=""/>
+        <p:cNvGrpSpPr/>
+        <p:nvPr/>
+      </p:nvGrpSpPr>
+      <p:grpSpPr>
+        <a:xfrm>
+          <a:off x="0" y="0"/>
+          <a:ext cx="0" cy="0"/>
+          <a:chOff x="0" y="0"/>
+          <a:chExt cx="0" cy="0"/>
+        </a:xfrm>
+      </p:grpSpPr>
+      <p:pic>
+        <p:nvPicPr>
+          <p:cNvPr id="8" name="Picture Placeholder 7" descr="abstract image">
+            <a:extLst>
+              <a:ext uri="{FF2B5EF4-FFF2-40B4-BE49-F238E27FC236}">
+                <a16:creationId xmlns:a16="http://schemas.microsoft.com/office/drawing/2014/main" id="{9AB29DBC-55D3-49D9-BB44-4936739C4B57}"/>
+              </a:ext>
+            </a:extLst>
+          </p:cNvPr>
+          <p:cNvPicPr>
+            <a:picLocks noGrp="1" noChangeAspect="1"/>
+          </p:cNvPicPr>
+          <p:nvPr>
+            <p:ph type="pic" sz="quarter" idx="10"/>
+          </p:nvPr>
+        </p:nvPicPr>
+        <p:blipFill rotWithShape="1">
+          <a:blip r:embed="rId2">
+            <a:alphaModFix amt="52000"/>
+            <a:extLst>
+              <a:ext uri="{BEBA8EAE-BF5A-486C-A8C5-ECC9F3942E4B}">
+                <a14:imgProps xmlns:a14="http://schemas.microsoft.com/office/drawing/2010/main">
+                  <a14:imgLayer r:embed="rId3">
+                    <a14:imgEffect>
+                      <a14:saturation sat="0"/>
+                    </a14:imgEffect>
+                  </a14:imgLayer>
+                </a14:imgProps>
+              </a:ext>
+            </a:extLst>
+          </a:blip>
+          <a:srcRect/>
+          <a:stretch/>
+        </p:blipFill>
+        <p:spPr/>
+      </p:pic>
+      <p:sp>
+        <p:nvSpPr>
+          <p:cNvPr id="16" name="Text Placeholder 3">
+            <a:extLst>
+              <a:ext uri="{FF2B5EF4-FFF2-40B4-BE49-F238E27FC236}">
+                <a16:creationId xmlns:a16="http://schemas.microsoft.com/office/drawing/2014/main" id="{99C95DF4-357B-4573-A5FD-B99A9F84F2ED}"/>
+              </a:ext>
+            </a:extLst>
+          </p:cNvPr>
+          <p:cNvSpPr txBox="1">
+            <a:spLocks/>
+          </p:cNvSpPr>
+          <p:nvPr/>
+        </p:nvSpPr>
+        <p:spPr>
+          <a:xfrm>
+            <a:off x="958789" y="3688734"/>
+            <a:ext cx="5628442" cy="510652"/>
+          </a:xfrm>
+          <a:prstGeom prst="rect">
+            <a:avLst/>
+          </a:prstGeom>
+        </p:spPr>
+        <p:txBody>
+          <a:bodyPr vert="horz" lIns="91440" tIns="45720" rIns="91440" bIns="45720" rtlCol="0">
+            <a:noAutofit/>
+          </a:bodyPr>
+          <a:lstStyle>
+            <a:lvl1pPr marL="0" indent="0" algn="ctr" defTabSz="914400" rtl="0" eaLnBrk="1" latinLnBrk="0" hangingPunct="1">
+              <a:lnSpc>
+                <a:spcPct val="150000"/>
+              </a:lnSpc>
+              <a:spcBef>
+                <a:spcPts val="1000"/>
+              </a:spcBef>
+              <a:buFont typeface="Arial" panose="020B0604020202020204" pitchFamily="34" charset="0"/>
+              <a:buNone/>
+              <a:defRPr sz="1800" kern="1200" spc="300">
+                <a:solidFill>
+                  <a:schemeClr val="tx1"/>
+                </a:solidFill>
+                <a:latin typeface="+mn-lt"/>
+                <a:ea typeface="+mn-ea"/>
+                <a:cs typeface="+mn-cs"/>
+              </a:defRPr>
+            </a:lvl1pPr>
+            <a:lvl2pPr marL="457200" indent="0" algn="l" defTabSz="914400" rtl="0" eaLnBrk="1" latinLnBrk="0" hangingPunct="1">
+              <a:lnSpc>
+                <a:spcPct val="150000"/>
+              </a:lnSpc>
+              <a:spcBef>
+                <a:spcPts val="500"/>
+              </a:spcBef>
+              <a:buFont typeface="Arial" panose="020B0604020202020204" pitchFamily="34" charset="0"/>
+              <a:buNone/>
+              <a:defRPr sz="1400" kern="1200">
+                <a:solidFill>
+                  <a:schemeClr val="tx1"/>
+                </a:solidFill>
+                <a:latin typeface="+mn-lt"/>
+                <a:ea typeface="+mn-ea"/>
+                <a:cs typeface="+mn-cs"/>
+              </a:defRPr>
+            </a:lvl2pPr>
+            <a:lvl3pPr marL="1143000" indent="-228600" algn="l" defTabSz="914400" rtl="0" eaLnBrk="1" latinLnBrk="0" hangingPunct="1">
+              <a:lnSpc>
+                <a:spcPct val="150000"/>
+              </a:lnSpc>
+              <a:spcBef>
+                <a:spcPts val="500"/>
+              </a:spcBef>
+              <a:buFont typeface="Arial" panose="020B0604020202020204" pitchFamily="34" charset="0"/>
+              <a:buChar char="•"/>
+              <a:defRPr sz="1400" kern="1200">
+                <a:solidFill>
+                  <a:schemeClr val="tx1"/>
+                </a:solidFill>
+                <a:latin typeface="+mn-lt"/>
+                <a:ea typeface="+mn-ea"/>
+                <a:cs typeface="+mn-cs"/>
+              </a:defRPr>
+            </a:lvl3pPr>
+            <a:lvl4pPr marL="1600200" indent="-228600" algn="l" defTabSz="914400" rtl="0" eaLnBrk="1" latinLnBrk="0" hangingPunct="1">
+              <a:lnSpc>
+                <a:spcPct val="150000"/>
+              </a:lnSpc>
+              <a:spcBef>
+                <a:spcPts val="500"/>
+              </a:spcBef>
+              <a:buFont typeface="Arial" panose="020B0604020202020204" pitchFamily="34" charset="0"/>
+              <a:buChar char="•"/>
+              <a:defRPr sz="1200" kern="1200">
+                <a:solidFill>
+                  <a:schemeClr val="tx1"/>
+                </a:solidFill>
+                <a:latin typeface="+mn-lt"/>
+                <a:ea typeface="+mn-ea"/>
+                <a:cs typeface="+mn-cs"/>
+              </a:defRPr>
+            </a:lvl4pPr>
+            <a:lvl5pPr marL="2057400" indent="-228600" algn="l" defTabSz="914400" rtl="0" eaLnBrk="1" latinLnBrk="0" hangingPunct="1">
+              <a:lnSpc>
+                <a:spcPct val="150000"/>
+              </a:lnSpc>
+              <a:spcBef>
+                <a:spcPts val="500"/>
+              </a:spcBef>
+              <a:buFont typeface="Arial" panose="020B0604020202020204" pitchFamily="34" charset="0"/>
+              <a:buChar char="•"/>
+              <a:defRPr sz="1200" kern="1200">
+                <a:solidFill>
+                  <a:schemeClr val="tx1"/>
+                </a:solidFill>
+                <a:latin typeface="+mn-lt"/>
+                <a:ea typeface="+mn-ea"/>
+                <a:cs typeface="+mn-cs"/>
+              </a:defRPr>
+            </a:lvl5pPr>
+            <a:lvl6pPr marL="2514600" indent="-228600" algn="l" defTabSz="914400" rtl="0" eaLnBrk="1" latinLnBrk="0" hangingPunct="1">
+              <a:lnSpc>
+                <a:spcPct val="90000"/>
+              </a:lnSpc>
+              <a:spcBef>
+                <a:spcPts val="500"/>
+              </a:spcBef>
+              <a:buFont typeface="Arial" panose="020B0604020202020204" pitchFamily="34" charset="0"/>
+              <a:buChar char="•"/>
+              <a:defRPr sz="1800" kern="1200">
+                <a:solidFill>
+                  <a:schemeClr val="tx1"/>
+                </a:solidFill>
+                <a:latin typeface="+mn-lt"/>
+                <a:ea typeface="+mn-ea"/>
+                <a:cs typeface="+mn-cs"/>
+              </a:defRPr>
+            </a:lvl6pPr>
+            <a:lvl7pPr marL="2971800" indent="-228600" algn="l" defTabSz="914400" rtl="0" eaLnBrk="1" latinLnBrk="0" hangingPunct="1">
+              <a:lnSpc>
+                <a:spcPct val="90000"/>
+              </a:lnSpc>
+              <a:spcBef>
+                <a:spcPts val="500"/>
+              </a:spcBef>
+              <a:buFont typeface="Arial" panose="020B0604020202020204" pitchFamily="34" charset="0"/>
+              <a:buChar char="•"/>
+              <a:defRPr sz="1800" kern="1200">
+                <a:solidFill>
+                  <a:schemeClr val="tx1"/>
+                </a:solidFill>
+                <a:latin typeface="+mn-lt"/>
+                <a:ea typeface="+mn-ea"/>
+                <a:cs typeface="+mn-cs"/>
+              </a:defRPr>
+            </a:lvl7pPr>
+            <a:lvl8pPr marL="3429000" indent="-228600" algn="l" defTabSz="914400" rtl="0" eaLnBrk="1" latinLnBrk="0" hangingPunct="1">
+              <a:lnSpc>
+                <a:spcPct val="90000"/>
+              </a:lnSpc>
+              <a:spcBef>
+                <a:spcPts val="500"/>
+              </a:spcBef>
+              <a:buFont typeface="Arial" panose="020B0604020202020204" pitchFamily="34" charset="0"/>
+              <a:buChar char="•"/>
+              <a:defRPr sz="1800" kern="1200">
+                <a:solidFill>
+                  <a:schemeClr val="tx1"/>
+                </a:solidFill>
+                <a:latin typeface="+mn-lt"/>
+                <a:ea typeface="+mn-ea"/>
+                <a:cs typeface="+mn-cs"/>
+              </a:defRPr>
+            </a:lvl8pPr>
+            <a:lvl9pPr marL="3886200" indent="-228600" algn="l" defTabSz="914400" rtl="0" eaLnBrk="1" latinLnBrk="0" hangingPunct="1">
+              <a:lnSpc>
+                <a:spcPct val="90000"/>
+              </a:lnSpc>
+              <a:spcBef>
+                <a:spcPts val="500"/>
+              </a:spcBef>
+              <a:buFont typeface="Arial" panose="020B0604020202020204" pitchFamily="34" charset="0"/>
+              <a:buChar char="•"/>
+              <a:defRPr sz="1800" kern="1200">
+                <a:solidFill>
+                  <a:schemeClr val="tx1"/>
+                </a:solidFill>
+                <a:latin typeface="+mn-lt"/>
+                <a:ea typeface="+mn-ea"/>
+                <a:cs typeface="+mn-cs"/>
+              </a:defRPr>
+            </a:lvl9pPr>
+          </a:lstStyle>
+          <a:p>
+            <a:endParaRPr lang="en-US" sz="1400" spc="0" dirty="0"/>
+          </a:p>
+        </p:txBody>
+      </p:sp>
+      <p:sp>
+        <p:nvSpPr>
+          <p:cNvPr id="19" name="TextBox 18">
+            <a:extLst>
+              <a:ext uri="{FF2B5EF4-FFF2-40B4-BE49-F238E27FC236}">
+                <a16:creationId xmlns:a16="http://schemas.microsoft.com/office/drawing/2014/main" id="{07F5C9D9-B3AB-4FF4-874C-8E69DC7F1771}"/>
+              </a:ext>
+            </a:extLst>
+          </p:cNvPr>
+          <p:cNvSpPr txBox="1"/>
+          <p:nvPr/>
+        </p:nvSpPr>
+        <p:spPr>
+          <a:xfrm>
+            <a:off x="571500" y="1082040"/>
+            <a:ext cx="11117580" cy="4953000"/>
+          </a:xfrm>
+          <a:prstGeom prst="rect">
+            <a:avLst/>
+          </a:prstGeom>
+          <a:noFill/>
+        </p:spPr>
+        <p:txBody>
+          <a:bodyPr wrap="square" rtlCol="0">
+            <a:spAutoFit/>
+          </a:bodyPr>
+          <a:lstStyle/>
+          <a:p>
+            <a:endParaRPr lang="en-US" dirty="0"/>
+          </a:p>
+        </p:txBody>
+      </p:sp>
+      <p:sp>
+        <p:nvSpPr>
+          <p:cNvPr id="9" name="TextBox 8">
+            <a:extLst>
+              <a:ext uri="{FF2B5EF4-FFF2-40B4-BE49-F238E27FC236}">
+                <a16:creationId xmlns:a16="http://schemas.microsoft.com/office/drawing/2014/main" id="{00A91E5E-3DD0-428C-8160-A69FCC8BEF16}"/>
+              </a:ext>
+            </a:extLst>
+          </p:cNvPr>
+          <p:cNvSpPr txBox="1"/>
+          <p:nvPr/>
+        </p:nvSpPr>
+        <p:spPr>
+          <a:xfrm>
+            <a:off x="777462" y="390068"/>
+            <a:ext cx="3148426" cy="707886"/>
+          </a:xfrm>
+          <a:prstGeom prst="rect">
+            <a:avLst/>
+          </a:prstGeom>
+          <a:noFill/>
+        </p:spPr>
+        <p:txBody>
+          <a:bodyPr wrap="none" rtlCol="0">
+            <a:spAutoFit/>
+          </a:bodyPr>
+          <a:lstStyle/>
+          <a:p>
+            <a:r>
+              <a:rPr lang="en-US" sz="4000" u="sng" dirty="0"/>
+              <a:t>ANN RESULTS:</a:t>
+            </a:r>
+          </a:p>
+        </p:txBody>
+      </p:sp>
+      <p:pic>
+        <p:nvPicPr>
+          <p:cNvPr id="3" name="Picture 2">
+            <a:extLst>
+              <a:ext uri="{FF2B5EF4-FFF2-40B4-BE49-F238E27FC236}">
+                <a16:creationId xmlns:a16="http://schemas.microsoft.com/office/drawing/2014/main" id="{9E069402-19BF-4113-9D1C-70E23A95DAF6}"/>
+              </a:ext>
+            </a:extLst>
+          </p:cNvPr>
+          <p:cNvPicPr>
+            <a:picLocks noChangeAspect="1"/>
+          </p:cNvPicPr>
+          <p:nvPr/>
+        </p:nvPicPr>
+        <p:blipFill>
+          <a:blip r:embed="rId4"/>
+          <a:stretch>
+            <a:fillRect/>
+          </a:stretch>
+        </p:blipFill>
+        <p:spPr>
+          <a:xfrm>
+            <a:off x="868260" y="2093740"/>
+            <a:ext cx="4262386" cy="4215620"/>
+          </a:xfrm>
+          <a:prstGeom prst="rect">
+            <a:avLst/>
+          </a:prstGeom>
+        </p:spPr>
+      </p:pic>
+      <p:pic>
+        <p:nvPicPr>
+          <p:cNvPr id="10" name="Google Shape;259;p31">
+            <a:extLst>
+              <a:ext uri="{FF2B5EF4-FFF2-40B4-BE49-F238E27FC236}">
+                <a16:creationId xmlns:a16="http://schemas.microsoft.com/office/drawing/2014/main" id="{D4890B6C-4D15-4AD4-9D92-47936D67DF02}"/>
+              </a:ext>
+            </a:extLst>
+          </p:cNvPr>
+          <p:cNvPicPr preferRelativeResize="0"/>
+          <p:nvPr/>
+        </p:nvPicPr>
+        <p:blipFill>
+          <a:blip r:embed="rId5">
+            <a:alphaModFix/>
+          </a:blip>
+          <a:stretch>
+            <a:fillRect/>
+          </a:stretch>
+        </p:blipFill>
+        <p:spPr>
+          <a:xfrm>
+            <a:off x="5427406" y="2064246"/>
+            <a:ext cx="3164302" cy="2890193"/>
+          </a:xfrm>
+          <a:prstGeom prst="rect">
+            <a:avLst/>
+          </a:prstGeom>
+          <a:noFill/>
+          <a:ln>
+            <a:noFill/>
+          </a:ln>
+        </p:spPr>
+      </p:pic>
+      <p:pic>
+        <p:nvPicPr>
+          <p:cNvPr id="11" name="Google Shape;260;p31">
+            <a:extLst>
+              <a:ext uri="{FF2B5EF4-FFF2-40B4-BE49-F238E27FC236}">
+                <a16:creationId xmlns:a16="http://schemas.microsoft.com/office/drawing/2014/main" id="{36F403CC-D207-4F35-A680-31765E1E0302}"/>
+              </a:ext>
+            </a:extLst>
+          </p:cNvPr>
+          <p:cNvPicPr preferRelativeResize="0"/>
+          <p:nvPr/>
+        </p:nvPicPr>
+        <p:blipFill>
+          <a:blip r:embed="rId6">
+            <a:alphaModFix/>
+          </a:blip>
+          <a:stretch>
+            <a:fillRect/>
+          </a:stretch>
+        </p:blipFill>
+        <p:spPr>
+          <a:xfrm>
+            <a:off x="8776238" y="2064246"/>
+            <a:ext cx="3164302" cy="2817517"/>
+          </a:xfrm>
+          <a:prstGeom prst="rect">
+            <a:avLst/>
+          </a:prstGeom>
+          <a:noFill/>
+          <a:ln>
+            <a:noFill/>
+          </a:ln>
+        </p:spPr>
+      </p:pic>
+    </p:spTree>
+    <p:extLst>
+      <p:ext uri="{BB962C8B-B14F-4D97-AF65-F5344CB8AC3E}">
+        <p14:creationId xmlns:p14="http://schemas.microsoft.com/office/powerpoint/2010/main" val="885569378"/>
+      </p:ext>
+    </p:extLst>
+  </p:cSld>
+  <p:clrMapOvr>
+    <a:masterClrMapping/>
+  </p:clrMapOvr>
+</p:sld>
+</file>
+
+<file path=ppt/slides/slide17.xml><?xml version="1.0" encoding="utf-8"?>
+<p:sld xmlns:a="http://schemas.openxmlformats.org/drawingml/2006/main" xmlns:r="http://schemas.openxmlformats.org/officeDocument/2006/relationships" xmlns:p="http://schemas.openxmlformats.org/presentationml/2006/main">
+  <p:cSld>
     <p:bg>
       <p:bgPr>
         <a:solidFill>
@@ -5671,6 +8294,66 @@
           <a:chExt cx="0" cy="0"/>
         </a:xfrm>
       </p:grpSpPr>
+      <p:sp useBgFill="1">
+        <p:nvSpPr>
+          <p:cNvPr id="45" name="Rectangle 44">
+            <a:extLst>
+              <a:ext uri="{FF2B5EF4-FFF2-40B4-BE49-F238E27FC236}">
+                <a16:creationId xmlns:a16="http://schemas.microsoft.com/office/drawing/2014/main" id="{B0354608-2C0B-45C8-8C8B-8E3ED2EF58E4}"/>
+              </a:ext>
+              <a:ext uri="{C183D7F6-B498-43B3-948B-1728B52AA6E4}">
+                <adec:decorative xmlns:adec="http://schemas.microsoft.com/office/drawing/2017/decorative" val="1"/>
+              </a:ext>
+            </a:extLst>
+          </p:cNvPr>
+          <p:cNvSpPr>
+            <a:spLocks noGrp="1" noRot="1" noChangeAspect="1" noMove="1" noResize="1" noEditPoints="1" noAdjustHandles="1" noChangeArrowheads="1" noChangeShapeType="1" noTextEdit="1"/>
+          </p:cNvSpPr>
+          <p:nvPr>
+            <p:extLst>
+              <p:ext uri="{386F3935-93C4-4BCD-93E2-E3B085C9AB24}">
+                <p16:designElem xmlns:p16="http://schemas.microsoft.com/office/powerpoint/2015/main" val="1"/>
+              </p:ext>
+            </p:extLst>
+          </p:nvPr>
+        </p:nvSpPr>
+        <p:spPr>
+          <a:xfrm>
+            <a:off x="0" y="0"/>
+            <a:ext cx="12192000" cy="6858000"/>
+          </a:xfrm>
+          <a:prstGeom prst="rect">
+            <a:avLst/>
+          </a:prstGeom>
+          <a:ln>
+            <a:noFill/>
+          </a:ln>
+        </p:spPr>
+        <p:style>
+          <a:lnRef idx="2">
+            <a:schemeClr val="accent1">
+              <a:shade val="50000"/>
+            </a:schemeClr>
+          </a:lnRef>
+          <a:fillRef idx="1">
+            <a:schemeClr val="accent1"/>
+          </a:fillRef>
+          <a:effectRef idx="0">
+            <a:schemeClr val="accent1"/>
+          </a:effectRef>
+          <a:fontRef idx="minor">
+            <a:schemeClr val="lt1"/>
+          </a:fontRef>
+        </p:style>
+        <p:txBody>
+          <a:bodyPr rtlCol="0" anchor="ctr"/>
+          <a:lstStyle/>
+          <a:p>
+            <a:pPr algn="ctr"/>
+            <a:endParaRPr lang="en-US"/>
+          </a:p>
+        </p:txBody>
+      </p:sp>
       <p:pic>
         <p:nvPicPr>
           <p:cNvPr id="40" name="Picture Placeholder 7" descr="abstract image">
@@ -5687,7 +8370,7 @@
         </p:nvPicPr>
         <p:blipFill rotWithShape="1">
           <a:blip r:embed="rId2">
-            <a:alphaModFix amt="52000"/>
+            <a:alphaModFix amt="40000"/>
             <a:extLst>
               <a:ext uri="{BEBA8EAE-BF5A-486C-A8C5-ECC9F3942E4B}">
                 <a14:imgProps xmlns:a14="http://schemas.microsoft.com/office/drawing/2010/main">
@@ -5700,7 +8383,7 @@
               </a:ext>
             </a:extLst>
           </a:blip>
-          <a:srcRect l="22717" r="45642"/>
+          <a:srcRect l="44775" r="23585" b="2"/>
           <a:stretch/>
         </p:blipFill>
         <p:spPr>
@@ -5732,20 +8415,610 @@
         </p:nvSpPr>
         <p:spPr>
           <a:xfrm>
-            <a:off x="702365" y="1660810"/>
-            <a:ext cx="10787270" cy="830649"/>
+            <a:off x="2590991" y="1680291"/>
+            <a:ext cx="7010018" cy="2288225"/>
           </a:xfrm>
         </p:spPr>
         <p:txBody>
-          <a:bodyPr>
+          <a:bodyPr vert="horz" lIns="91440" tIns="45720" rIns="91440" bIns="45720" rtlCol="0" anchor="b">
             <a:normAutofit/>
           </a:bodyPr>
           <a:lstStyle/>
           <a:p>
+            <a:pPr algn="l">
+              <a:lnSpc>
+                <a:spcPct val="90000"/>
+              </a:lnSpc>
+            </a:pPr>
             <a:r>
-              <a:rPr lang="en-US" sz="4000" spc="300" dirty="0"/>
+              <a:rPr lang="en-US" sz="7200" spc="300"/>
               <a:t>THANK YOU</a:t>
             </a:r>
+          </a:p>
+        </p:txBody>
+      </p:sp>
+      <p:sp>
+        <p:nvSpPr>
+          <p:cNvPr id="47" name="Freeform 5">
+            <a:extLst>
+              <a:ext uri="{FF2B5EF4-FFF2-40B4-BE49-F238E27FC236}">
+                <a16:creationId xmlns:a16="http://schemas.microsoft.com/office/drawing/2014/main" id="{A69EB637-CEDE-43AD-8B65-DDD63C08FB34}"/>
+              </a:ext>
+              <a:ext uri="{C183D7F6-B498-43B3-948B-1728B52AA6E4}">
+                <adec:decorative xmlns:adec="http://schemas.microsoft.com/office/drawing/2017/decorative" val="1"/>
+              </a:ext>
+            </a:extLst>
+          </p:cNvPr>
+          <p:cNvSpPr>
+            <a:spLocks noGrp="1" noRot="1" noChangeAspect="1" noMove="1" noResize="1" noEditPoints="1" noAdjustHandles="1" noChangeArrowheads="1" noChangeShapeType="1" noTextEdit="1"/>
+          </p:cNvSpPr>
+          <p:nvPr>
+            <p:extLst>
+              <p:ext uri="{386F3935-93C4-4BCD-93E2-E3B085C9AB24}">
+                <p16:designElem xmlns:p16="http://schemas.microsoft.com/office/powerpoint/2015/main" val="1"/>
+              </p:ext>
+            </p:extLst>
+          </p:nvPr>
+        </p:nvSpPr>
+        <p:spPr bwMode="auto">
+          <a:xfrm>
+            <a:off x="790870" y="2245586"/>
+            <a:ext cx="1262906" cy="1108260"/>
+          </a:xfrm>
+          <a:custGeom>
+            <a:avLst/>
+            <a:gdLst>
+              <a:gd name="T0" fmla="*/ 781 w 1099"/>
+              <a:gd name="T1" fmla="*/ 0 h 968"/>
+              <a:gd name="T2" fmla="*/ 318 w 1099"/>
+              <a:gd name="T3" fmla="*/ 0 h 968"/>
+              <a:gd name="T4" fmla="*/ 246 w 1099"/>
+              <a:gd name="T5" fmla="*/ 42 h 968"/>
+              <a:gd name="T6" fmla="*/ 15 w 1099"/>
+              <a:gd name="T7" fmla="*/ 443 h 968"/>
+              <a:gd name="T8" fmla="*/ 15 w 1099"/>
+              <a:gd name="T9" fmla="*/ 525 h 968"/>
+              <a:gd name="T10" fmla="*/ 246 w 1099"/>
+              <a:gd name="T11" fmla="*/ 926 h 968"/>
+              <a:gd name="T12" fmla="*/ 318 w 1099"/>
+              <a:gd name="T13" fmla="*/ 968 h 968"/>
+              <a:gd name="T14" fmla="*/ 781 w 1099"/>
+              <a:gd name="T15" fmla="*/ 968 h 968"/>
+              <a:gd name="T16" fmla="*/ 852 w 1099"/>
+              <a:gd name="T17" fmla="*/ 926 h 968"/>
+              <a:gd name="T18" fmla="*/ 1084 w 1099"/>
+              <a:gd name="T19" fmla="*/ 525 h 968"/>
+              <a:gd name="T20" fmla="*/ 1084 w 1099"/>
+              <a:gd name="T21" fmla="*/ 443 h 968"/>
+              <a:gd name="T22" fmla="*/ 852 w 1099"/>
+              <a:gd name="T23" fmla="*/ 42 h 968"/>
+              <a:gd name="T24" fmla="*/ 781 w 1099"/>
+              <a:gd name="T25" fmla="*/ 0 h 968"/>
+            </a:gdLst>
+            <a:ahLst/>
+            <a:cxnLst>
+              <a:cxn ang="0">
+                <a:pos x="T0" y="T1"/>
+              </a:cxn>
+              <a:cxn ang="0">
+                <a:pos x="T2" y="T3"/>
+              </a:cxn>
+              <a:cxn ang="0">
+                <a:pos x="T4" y="T5"/>
+              </a:cxn>
+              <a:cxn ang="0">
+                <a:pos x="T6" y="T7"/>
+              </a:cxn>
+              <a:cxn ang="0">
+                <a:pos x="T8" y="T9"/>
+              </a:cxn>
+              <a:cxn ang="0">
+                <a:pos x="T10" y="T11"/>
+              </a:cxn>
+              <a:cxn ang="0">
+                <a:pos x="T12" y="T13"/>
+              </a:cxn>
+              <a:cxn ang="0">
+                <a:pos x="T14" y="T15"/>
+              </a:cxn>
+              <a:cxn ang="0">
+                <a:pos x="T16" y="T17"/>
+              </a:cxn>
+              <a:cxn ang="0">
+                <a:pos x="T18" y="T19"/>
+              </a:cxn>
+              <a:cxn ang="0">
+                <a:pos x="T20" y="T21"/>
+              </a:cxn>
+              <a:cxn ang="0">
+                <a:pos x="T22" y="T23"/>
+              </a:cxn>
+              <a:cxn ang="0">
+                <a:pos x="T24" y="T25"/>
+              </a:cxn>
+            </a:cxnLst>
+            <a:rect l="0" t="0" r="r" b="b"/>
+            <a:pathLst>
+              <a:path w="1099" h="968">
+                <a:moveTo>
+                  <a:pt x="781" y="0"/>
+                </a:moveTo>
+                <a:cubicBezTo>
+                  <a:pt x="318" y="0"/>
+                  <a:pt x="318" y="0"/>
+                  <a:pt x="318" y="0"/>
+                </a:cubicBezTo>
+                <a:cubicBezTo>
+                  <a:pt x="288" y="0"/>
+                  <a:pt x="261" y="16"/>
+                  <a:pt x="246" y="42"/>
+                </a:cubicBezTo>
+                <a:cubicBezTo>
+                  <a:pt x="15" y="443"/>
+                  <a:pt x="15" y="443"/>
+                  <a:pt x="15" y="443"/>
+                </a:cubicBezTo>
+                <a:cubicBezTo>
+                  <a:pt x="0" y="468"/>
+                  <a:pt x="0" y="500"/>
+                  <a:pt x="15" y="525"/>
+                </a:cubicBezTo>
+                <a:cubicBezTo>
+                  <a:pt x="246" y="926"/>
+                  <a:pt x="246" y="926"/>
+                  <a:pt x="246" y="926"/>
+                </a:cubicBezTo>
+                <a:cubicBezTo>
+                  <a:pt x="261" y="952"/>
+                  <a:pt x="288" y="968"/>
+                  <a:pt x="318" y="968"/>
+                </a:cubicBezTo>
+                <a:cubicBezTo>
+                  <a:pt x="781" y="968"/>
+                  <a:pt x="781" y="968"/>
+                  <a:pt x="781" y="968"/>
+                </a:cubicBezTo>
+                <a:cubicBezTo>
+                  <a:pt x="810" y="968"/>
+                  <a:pt x="838" y="952"/>
+                  <a:pt x="852" y="926"/>
+                </a:cubicBezTo>
+                <a:cubicBezTo>
+                  <a:pt x="1084" y="525"/>
+                  <a:pt x="1084" y="525"/>
+                  <a:pt x="1084" y="525"/>
+                </a:cubicBezTo>
+                <a:cubicBezTo>
+                  <a:pt x="1099" y="500"/>
+                  <a:pt x="1099" y="468"/>
+                  <a:pt x="1084" y="443"/>
+                </a:cubicBezTo>
+                <a:cubicBezTo>
+                  <a:pt x="852" y="42"/>
+                  <a:pt x="852" y="42"/>
+                  <a:pt x="852" y="42"/>
+                </a:cubicBezTo>
+                <a:cubicBezTo>
+                  <a:pt x="838" y="16"/>
+                  <a:pt x="810" y="0"/>
+                  <a:pt x="781" y="0"/>
+                </a:cubicBezTo>
+                <a:close/>
+              </a:path>
+            </a:pathLst>
+          </a:custGeom>
+          <a:solidFill>
+            <a:schemeClr val="tx1">
+              <a:alpha val="40000"/>
+            </a:schemeClr>
+          </a:solidFill>
+          <a:ln w="63500" cap="flat">
+            <a:noFill/>
+            <a:prstDash val="solid"/>
+            <a:miter lim="800000"/>
+            <a:headEnd/>
+            <a:tailEnd/>
+          </a:ln>
+        </p:spPr>
+        <p:txBody>
+          <a:bodyPr vert="horz" wrap="square" lIns="91440" tIns="45720" rIns="91440" bIns="45720" numCol="1" anchor="t" anchorCtr="0" compatLnSpc="1">
+            <a:prstTxWarp prst="textNoShape">
+              <a:avLst/>
+            </a:prstTxWarp>
+          </a:bodyPr>
+          <a:lstStyle/>
+          <a:p>
+            <a:endParaRPr lang="en-US" dirty="0"/>
+          </a:p>
+        </p:txBody>
+      </p:sp>
+      <p:sp>
+        <p:nvSpPr>
+          <p:cNvPr id="49" name="Freeform 5">
+            <a:extLst>
+              <a:ext uri="{FF2B5EF4-FFF2-40B4-BE49-F238E27FC236}">
+                <a16:creationId xmlns:a16="http://schemas.microsoft.com/office/drawing/2014/main" id="{CDD7DB09-290B-4A1F-BFC1-51ED7C978ED6}"/>
+              </a:ext>
+              <a:ext uri="{C183D7F6-B498-43B3-948B-1728B52AA6E4}">
+                <adec:decorative xmlns:adec="http://schemas.microsoft.com/office/drawing/2017/decorative" val="1"/>
+              </a:ext>
+            </a:extLst>
+          </p:cNvPr>
+          <p:cNvSpPr>
+            <a:spLocks noGrp="1" noRot="1" noChangeAspect="1" noMove="1" noResize="1" noEditPoints="1" noAdjustHandles="1" noChangeArrowheads="1" noChangeShapeType="1" noTextEdit="1"/>
+          </p:cNvSpPr>
+          <p:nvPr>
+            <p:extLst>
+              <p:ext uri="{386F3935-93C4-4BCD-93E2-E3B085C9AB24}">
+                <p16:designElem xmlns:p16="http://schemas.microsoft.com/office/powerpoint/2015/main" val="1"/>
+              </p:ext>
+            </p:extLst>
+          </p:nvPr>
+        </p:nvSpPr>
+        <p:spPr bwMode="auto">
+          <a:xfrm>
+            <a:off x="933975" y="911082"/>
+            <a:ext cx="2048530" cy="1797684"/>
+          </a:xfrm>
+          <a:custGeom>
+            <a:avLst/>
+            <a:gdLst>
+              <a:gd name="T0" fmla="*/ 781 w 1099"/>
+              <a:gd name="T1" fmla="*/ 0 h 968"/>
+              <a:gd name="T2" fmla="*/ 318 w 1099"/>
+              <a:gd name="T3" fmla="*/ 0 h 968"/>
+              <a:gd name="T4" fmla="*/ 246 w 1099"/>
+              <a:gd name="T5" fmla="*/ 42 h 968"/>
+              <a:gd name="T6" fmla="*/ 15 w 1099"/>
+              <a:gd name="T7" fmla="*/ 443 h 968"/>
+              <a:gd name="T8" fmla="*/ 15 w 1099"/>
+              <a:gd name="T9" fmla="*/ 525 h 968"/>
+              <a:gd name="T10" fmla="*/ 246 w 1099"/>
+              <a:gd name="T11" fmla="*/ 926 h 968"/>
+              <a:gd name="T12" fmla="*/ 318 w 1099"/>
+              <a:gd name="T13" fmla="*/ 968 h 968"/>
+              <a:gd name="T14" fmla="*/ 781 w 1099"/>
+              <a:gd name="T15" fmla="*/ 968 h 968"/>
+              <a:gd name="T16" fmla="*/ 852 w 1099"/>
+              <a:gd name="T17" fmla="*/ 926 h 968"/>
+              <a:gd name="T18" fmla="*/ 1084 w 1099"/>
+              <a:gd name="T19" fmla="*/ 525 h 968"/>
+              <a:gd name="T20" fmla="*/ 1084 w 1099"/>
+              <a:gd name="T21" fmla="*/ 443 h 968"/>
+              <a:gd name="T22" fmla="*/ 852 w 1099"/>
+              <a:gd name="T23" fmla="*/ 42 h 968"/>
+              <a:gd name="T24" fmla="*/ 781 w 1099"/>
+              <a:gd name="T25" fmla="*/ 0 h 968"/>
+            </a:gdLst>
+            <a:ahLst/>
+            <a:cxnLst>
+              <a:cxn ang="0">
+                <a:pos x="T0" y="T1"/>
+              </a:cxn>
+              <a:cxn ang="0">
+                <a:pos x="T2" y="T3"/>
+              </a:cxn>
+              <a:cxn ang="0">
+                <a:pos x="T4" y="T5"/>
+              </a:cxn>
+              <a:cxn ang="0">
+                <a:pos x="T6" y="T7"/>
+              </a:cxn>
+              <a:cxn ang="0">
+                <a:pos x="T8" y="T9"/>
+              </a:cxn>
+              <a:cxn ang="0">
+                <a:pos x="T10" y="T11"/>
+              </a:cxn>
+              <a:cxn ang="0">
+                <a:pos x="T12" y="T13"/>
+              </a:cxn>
+              <a:cxn ang="0">
+                <a:pos x="T14" y="T15"/>
+              </a:cxn>
+              <a:cxn ang="0">
+                <a:pos x="T16" y="T17"/>
+              </a:cxn>
+              <a:cxn ang="0">
+                <a:pos x="T18" y="T19"/>
+              </a:cxn>
+              <a:cxn ang="0">
+                <a:pos x="T20" y="T21"/>
+              </a:cxn>
+              <a:cxn ang="0">
+                <a:pos x="T22" y="T23"/>
+              </a:cxn>
+              <a:cxn ang="0">
+                <a:pos x="T24" y="T25"/>
+              </a:cxn>
+            </a:cxnLst>
+            <a:rect l="0" t="0" r="r" b="b"/>
+            <a:pathLst>
+              <a:path w="1099" h="968">
+                <a:moveTo>
+                  <a:pt x="781" y="0"/>
+                </a:moveTo>
+                <a:cubicBezTo>
+                  <a:pt x="318" y="0"/>
+                  <a:pt x="318" y="0"/>
+                  <a:pt x="318" y="0"/>
+                </a:cubicBezTo>
+                <a:cubicBezTo>
+                  <a:pt x="288" y="0"/>
+                  <a:pt x="261" y="16"/>
+                  <a:pt x="246" y="42"/>
+                </a:cubicBezTo>
+                <a:cubicBezTo>
+                  <a:pt x="15" y="443"/>
+                  <a:pt x="15" y="443"/>
+                  <a:pt x="15" y="443"/>
+                </a:cubicBezTo>
+                <a:cubicBezTo>
+                  <a:pt x="0" y="468"/>
+                  <a:pt x="0" y="500"/>
+                  <a:pt x="15" y="525"/>
+                </a:cubicBezTo>
+                <a:cubicBezTo>
+                  <a:pt x="246" y="926"/>
+                  <a:pt x="246" y="926"/>
+                  <a:pt x="246" y="926"/>
+                </a:cubicBezTo>
+                <a:cubicBezTo>
+                  <a:pt x="261" y="952"/>
+                  <a:pt x="288" y="968"/>
+                  <a:pt x="318" y="968"/>
+                </a:cubicBezTo>
+                <a:cubicBezTo>
+                  <a:pt x="781" y="968"/>
+                  <a:pt x="781" y="968"/>
+                  <a:pt x="781" y="968"/>
+                </a:cubicBezTo>
+                <a:cubicBezTo>
+                  <a:pt x="810" y="968"/>
+                  <a:pt x="838" y="952"/>
+                  <a:pt x="852" y="926"/>
+                </a:cubicBezTo>
+                <a:cubicBezTo>
+                  <a:pt x="1084" y="525"/>
+                  <a:pt x="1084" y="525"/>
+                  <a:pt x="1084" y="525"/>
+                </a:cubicBezTo>
+                <a:cubicBezTo>
+                  <a:pt x="1099" y="500"/>
+                  <a:pt x="1099" y="468"/>
+                  <a:pt x="1084" y="443"/>
+                </a:cubicBezTo>
+                <a:cubicBezTo>
+                  <a:pt x="852" y="42"/>
+                  <a:pt x="852" y="42"/>
+                  <a:pt x="852" y="42"/>
+                </a:cubicBezTo>
+                <a:cubicBezTo>
+                  <a:pt x="838" y="16"/>
+                  <a:pt x="810" y="0"/>
+                  <a:pt x="781" y="0"/>
+                </a:cubicBezTo>
+                <a:close/>
+              </a:path>
+            </a:pathLst>
+          </a:custGeom>
+          <a:noFill/>
+          <a:ln w="63500" cap="flat">
+            <a:solidFill>
+              <a:schemeClr val="tx1">
+                <a:alpha val="60000"/>
+              </a:schemeClr>
+            </a:solidFill>
+            <a:prstDash val="solid"/>
+            <a:miter lim="800000"/>
+            <a:headEnd/>
+            <a:tailEnd/>
+          </a:ln>
+        </p:spPr>
+        <p:txBody>
+          <a:bodyPr vert="horz" wrap="square" lIns="91440" tIns="45720" rIns="91440" bIns="45720" numCol="1" anchor="t" anchorCtr="0" compatLnSpc="1">
+            <a:prstTxWarp prst="textNoShape">
+              <a:avLst/>
+            </a:prstTxWarp>
+          </a:bodyPr>
+          <a:lstStyle/>
+          <a:p>
+            <a:endParaRPr lang="en-US" dirty="0"/>
+          </a:p>
+        </p:txBody>
+      </p:sp>
+      <p:sp>
+        <p:nvSpPr>
+          <p:cNvPr id="51" name="Freeform 5">
+            <a:extLst>
+              <a:ext uri="{FF2B5EF4-FFF2-40B4-BE49-F238E27FC236}">
+                <a16:creationId xmlns:a16="http://schemas.microsoft.com/office/drawing/2014/main" id="{B0FAED46-1BF7-48DB-980D-571CD2A30DC4}"/>
+              </a:ext>
+              <a:ext uri="{C183D7F6-B498-43B3-948B-1728B52AA6E4}">
+                <adec:decorative xmlns:adec="http://schemas.microsoft.com/office/drawing/2017/decorative" val="1"/>
+              </a:ext>
+            </a:extLst>
+          </p:cNvPr>
+          <p:cNvSpPr>
+            <a:spLocks noGrp="1" noRot="1" noChangeAspect="1" noMove="1" noResize="1" noEditPoints="1" noAdjustHandles="1" noChangeArrowheads="1" noChangeShapeType="1" noTextEdit="1"/>
+          </p:cNvSpPr>
+          <p:nvPr>
+            <p:extLst>
+              <p:ext uri="{386F3935-93C4-4BCD-93E2-E3B085C9AB24}">
+                <p16:designElem xmlns:p16="http://schemas.microsoft.com/office/powerpoint/2015/main" val="1"/>
+              </p:ext>
+            </p:extLst>
+          </p:nvPr>
+        </p:nvSpPr>
+        <p:spPr bwMode="auto">
+          <a:xfrm>
+            <a:off x="1362936" y="1825453"/>
+            <a:ext cx="799094" cy="701243"/>
+          </a:xfrm>
+          <a:custGeom>
+            <a:avLst/>
+            <a:gdLst>
+              <a:gd name="T0" fmla="*/ 781 w 1099"/>
+              <a:gd name="T1" fmla="*/ 0 h 968"/>
+              <a:gd name="T2" fmla="*/ 318 w 1099"/>
+              <a:gd name="T3" fmla="*/ 0 h 968"/>
+              <a:gd name="T4" fmla="*/ 246 w 1099"/>
+              <a:gd name="T5" fmla="*/ 42 h 968"/>
+              <a:gd name="T6" fmla="*/ 15 w 1099"/>
+              <a:gd name="T7" fmla="*/ 443 h 968"/>
+              <a:gd name="T8" fmla="*/ 15 w 1099"/>
+              <a:gd name="T9" fmla="*/ 525 h 968"/>
+              <a:gd name="T10" fmla="*/ 246 w 1099"/>
+              <a:gd name="T11" fmla="*/ 926 h 968"/>
+              <a:gd name="T12" fmla="*/ 318 w 1099"/>
+              <a:gd name="T13" fmla="*/ 968 h 968"/>
+              <a:gd name="T14" fmla="*/ 781 w 1099"/>
+              <a:gd name="T15" fmla="*/ 968 h 968"/>
+              <a:gd name="T16" fmla="*/ 852 w 1099"/>
+              <a:gd name="T17" fmla="*/ 926 h 968"/>
+              <a:gd name="T18" fmla="*/ 1084 w 1099"/>
+              <a:gd name="T19" fmla="*/ 525 h 968"/>
+              <a:gd name="T20" fmla="*/ 1084 w 1099"/>
+              <a:gd name="T21" fmla="*/ 443 h 968"/>
+              <a:gd name="T22" fmla="*/ 852 w 1099"/>
+              <a:gd name="T23" fmla="*/ 42 h 968"/>
+              <a:gd name="T24" fmla="*/ 781 w 1099"/>
+              <a:gd name="T25" fmla="*/ 0 h 968"/>
+            </a:gdLst>
+            <a:ahLst/>
+            <a:cxnLst>
+              <a:cxn ang="0">
+                <a:pos x="T0" y="T1"/>
+              </a:cxn>
+              <a:cxn ang="0">
+                <a:pos x="T2" y="T3"/>
+              </a:cxn>
+              <a:cxn ang="0">
+                <a:pos x="T4" y="T5"/>
+              </a:cxn>
+              <a:cxn ang="0">
+                <a:pos x="T6" y="T7"/>
+              </a:cxn>
+              <a:cxn ang="0">
+                <a:pos x="T8" y="T9"/>
+              </a:cxn>
+              <a:cxn ang="0">
+                <a:pos x="T10" y="T11"/>
+              </a:cxn>
+              <a:cxn ang="0">
+                <a:pos x="T12" y="T13"/>
+              </a:cxn>
+              <a:cxn ang="0">
+                <a:pos x="T14" y="T15"/>
+              </a:cxn>
+              <a:cxn ang="0">
+                <a:pos x="T16" y="T17"/>
+              </a:cxn>
+              <a:cxn ang="0">
+                <a:pos x="T18" y="T19"/>
+              </a:cxn>
+              <a:cxn ang="0">
+                <a:pos x="T20" y="T21"/>
+              </a:cxn>
+              <a:cxn ang="0">
+                <a:pos x="T22" y="T23"/>
+              </a:cxn>
+              <a:cxn ang="0">
+                <a:pos x="T24" y="T25"/>
+              </a:cxn>
+            </a:cxnLst>
+            <a:rect l="0" t="0" r="r" b="b"/>
+            <a:pathLst>
+              <a:path w="1099" h="968">
+                <a:moveTo>
+                  <a:pt x="781" y="0"/>
+                </a:moveTo>
+                <a:cubicBezTo>
+                  <a:pt x="318" y="0"/>
+                  <a:pt x="318" y="0"/>
+                  <a:pt x="318" y="0"/>
+                </a:cubicBezTo>
+                <a:cubicBezTo>
+                  <a:pt x="288" y="0"/>
+                  <a:pt x="261" y="16"/>
+                  <a:pt x="246" y="42"/>
+                </a:cubicBezTo>
+                <a:cubicBezTo>
+                  <a:pt x="15" y="443"/>
+                  <a:pt x="15" y="443"/>
+                  <a:pt x="15" y="443"/>
+                </a:cubicBezTo>
+                <a:cubicBezTo>
+                  <a:pt x="0" y="468"/>
+                  <a:pt x="0" y="500"/>
+                  <a:pt x="15" y="525"/>
+                </a:cubicBezTo>
+                <a:cubicBezTo>
+                  <a:pt x="246" y="926"/>
+                  <a:pt x="246" y="926"/>
+                  <a:pt x="246" y="926"/>
+                </a:cubicBezTo>
+                <a:cubicBezTo>
+                  <a:pt x="261" y="952"/>
+                  <a:pt x="288" y="968"/>
+                  <a:pt x="318" y="968"/>
+                </a:cubicBezTo>
+                <a:cubicBezTo>
+                  <a:pt x="781" y="968"/>
+                  <a:pt x="781" y="968"/>
+                  <a:pt x="781" y="968"/>
+                </a:cubicBezTo>
+                <a:cubicBezTo>
+                  <a:pt x="810" y="968"/>
+                  <a:pt x="838" y="952"/>
+                  <a:pt x="852" y="926"/>
+                </a:cubicBezTo>
+                <a:cubicBezTo>
+                  <a:pt x="1084" y="525"/>
+                  <a:pt x="1084" y="525"/>
+                  <a:pt x="1084" y="525"/>
+                </a:cubicBezTo>
+                <a:cubicBezTo>
+                  <a:pt x="1099" y="500"/>
+                  <a:pt x="1099" y="468"/>
+                  <a:pt x="1084" y="443"/>
+                </a:cubicBezTo>
+                <a:cubicBezTo>
+                  <a:pt x="852" y="42"/>
+                  <a:pt x="852" y="42"/>
+                  <a:pt x="852" y="42"/>
+                </a:cubicBezTo>
+                <a:cubicBezTo>
+                  <a:pt x="838" y="16"/>
+                  <a:pt x="810" y="0"/>
+                  <a:pt x="781" y="0"/>
+                </a:cubicBezTo>
+                <a:close/>
+              </a:path>
+            </a:pathLst>
+          </a:custGeom>
+          <a:solidFill>
+            <a:schemeClr val="tx1">
+              <a:alpha val="60000"/>
+            </a:schemeClr>
+          </a:solidFill>
+          <a:ln w="63500" cap="flat">
+            <a:noFill/>
+            <a:prstDash val="solid"/>
+            <a:miter lim="800000"/>
+            <a:headEnd/>
+            <a:tailEnd/>
+          </a:ln>
+        </p:spPr>
+        <p:txBody>
+          <a:bodyPr vert="horz" wrap="square" lIns="91440" tIns="45720" rIns="91440" bIns="45720" numCol="1" anchor="t" anchorCtr="0" compatLnSpc="1">
+            <a:prstTxWarp prst="textNoShape">
+              <a:avLst/>
+            </a:prstTxWarp>
+          </a:bodyPr>
+          <a:lstStyle/>
+          <a:p>
+            <a:endParaRPr lang="en-US" dirty="0"/>
           </a:p>
         </p:txBody>
       </p:sp>
@@ -8779,6 +12052,36 @@
           </a:p>
         </p:txBody>
       </p:sp>
+      <p:pic>
+        <p:nvPicPr>
+          <p:cNvPr id="3" name="Picture 2">
+            <a:extLst>
+              <a:ext uri="{FF2B5EF4-FFF2-40B4-BE49-F238E27FC236}">
+                <a16:creationId xmlns:a16="http://schemas.microsoft.com/office/drawing/2014/main" id="{B27F53FF-91C2-4F16-ADE4-546D1E8394F6}"/>
+              </a:ext>
+            </a:extLst>
+          </p:cNvPr>
+          <p:cNvPicPr>
+            <a:picLocks noChangeAspect="1"/>
+          </p:cNvPicPr>
+          <p:nvPr/>
+        </p:nvPicPr>
+        <p:blipFill>
+          <a:blip r:embed="rId4"/>
+          <a:stretch>
+            <a:fillRect/>
+          </a:stretch>
+        </p:blipFill>
+        <p:spPr>
+          <a:xfrm>
+            <a:off x="1416653" y="4477447"/>
+            <a:ext cx="5064045" cy="2215519"/>
+          </a:xfrm>
+          <a:prstGeom prst="rect">
+            <a:avLst/>
+          </a:prstGeom>
+        </p:spPr>
+      </p:pic>
     </p:spTree>
     <p:extLst>
       <p:ext uri="{BB962C8B-B14F-4D97-AF65-F5344CB8AC3E}">
@@ -10685,21 +13988,21 @@
 </file>
 
 <file path=customXml/item1.xml><?xml version="1.0" encoding="utf-8"?>
+<p:properties xmlns:p="http://schemas.microsoft.com/office/2006/metadata/properties" xmlns:xsi="http://www.w3.org/2001/XMLSchema-instance" xmlns:pc="http://schemas.microsoft.com/office/infopath/2007/PartnerControls">
+  <documentManagement>
+    <Status xmlns="71af3243-3dd4-4a8d-8c0d-dd76da1f02a5">Not started</Status>
+    <MediaServiceKeyPoints xmlns="71af3243-3dd4-4a8d-8c0d-dd76da1f02a5" xsi:nil="true"/>
+  </documentManagement>
+</p:properties>
+</file>
+
+<file path=customXml/item2.xml><?xml version="1.0" encoding="utf-8"?>
 <?mso-contentType ?>
 <FormTemplates xmlns="http://schemas.microsoft.com/sharepoint/v3/contenttype/forms">
   <Display>DocumentLibraryForm</Display>
   <Edit>DocumentLibraryForm</Edit>
   <New>DocumentLibraryForm</New>
 </FormTemplates>
-</file>
-
-<file path=customXml/item2.xml><?xml version="1.0" encoding="utf-8"?>
-<p:properties xmlns:p="http://schemas.microsoft.com/office/2006/metadata/properties" xmlns:xsi="http://www.w3.org/2001/XMLSchema-instance" xmlns:pc="http://schemas.microsoft.com/office/infopath/2007/PartnerControls">
-  <documentManagement>
-    <Status xmlns="71af3243-3dd4-4a8d-8c0d-dd76da1f02a5">Not started</Status>
-    <MediaServiceKeyPoints xmlns="71af3243-3dd4-4a8d-8c0d-dd76da1f02a5" xsi:nil="true"/>
-  </documentManagement>
-</p:properties>
 </file>
 
 <file path=customXml/item3.xml><?xml version="1.0" encoding="utf-8"?>
@@ -10924,19 +14227,19 @@
 </file>
 
 <file path=customXml/itemProps1.xml><?xml version="1.0" encoding="utf-8"?>
-<ds:datastoreItem xmlns:ds="http://schemas.openxmlformats.org/officeDocument/2006/customXml" ds:itemID="{1B7E2D32-4FDD-4266-880C-17595B801432}">
+<ds:datastoreItem xmlns:ds="http://schemas.openxmlformats.org/officeDocument/2006/customXml" ds:itemID="{E3D9F223-918A-45AF-9B53-56AB9E5E2182}">
   <ds:schemaRefs>
-    <ds:schemaRef ds:uri="http://schemas.microsoft.com/sharepoint/v3/contenttype/forms"/>
+    <ds:schemaRef ds:uri="http://schemas.microsoft.com/office/2006/metadata/properties"/>
+    <ds:schemaRef ds:uri="http://schemas.microsoft.com/office/infopath/2007/PartnerControls"/>
+    <ds:schemaRef ds:uri="71af3243-3dd4-4a8d-8c0d-dd76da1f02a5"/>
   </ds:schemaRefs>
 </ds:datastoreItem>
 </file>
 
 <file path=customXml/itemProps2.xml><?xml version="1.0" encoding="utf-8"?>
-<ds:datastoreItem xmlns:ds="http://schemas.openxmlformats.org/officeDocument/2006/customXml" ds:itemID="{E3D9F223-918A-45AF-9B53-56AB9E5E2182}">
+<ds:datastoreItem xmlns:ds="http://schemas.openxmlformats.org/officeDocument/2006/customXml" ds:itemID="{1B7E2D32-4FDD-4266-880C-17595B801432}">
   <ds:schemaRefs>
-    <ds:schemaRef ds:uri="http://schemas.microsoft.com/office/2006/metadata/properties"/>
-    <ds:schemaRef ds:uri="http://schemas.microsoft.com/office/infopath/2007/PartnerControls"/>
-    <ds:schemaRef ds:uri="71af3243-3dd4-4a8d-8c0d-dd76da1f02a5"/>
+    <ds:schemaRef ds:uri="http://schemas.microsoft.com/sharepoint/v3/contenttype/forms"/>
   </ds:schemaRefs>
 </ds:datastoreItem>
 </file>
